--- a/DepressionTracker.pptx
+++ b/DepressionTracker.pptx
@@ -5,10 +5,10 @@
     <p:sldMasterId id="2147483694" r:id="rId1"/>
   </p:sldMasterIdLst>
   <p:notesMasterIdLst>
-    <p:notesMasterId r:id="rId10"/>
+    <p:notesMasterId r:id="rId12"/>
   </p:notesMasterIdLst>
   <p:handoutMasterIdLst>
-    <p:handoutMasterId r:id="rId11"/>
+    <p:handoutMasterId r:id="rId13"/>
   </p:handoutMasterIdLst>
   <p:sldIdLst>
     <p:sldId id="382" r:id="rId2"/>
@@ -16,9 +16,11 @@
     <p:sldId id="387" r:id="rId4"/>
     <p:sldId id="385" r:id="rId5"/>
     <p:sldId id="388" r:id="rId6"/>
-    <p:sldId id="389" r:id="rId7"/>
-    <p:sldId id="390" r:id="rId8"/>
-    <p:sldId id="307" r:id="rId9"/>
+    <p:sldId id="391" r:id="rId7"/>
+    <p:sldId id="389" r:id="rId8"/>
+    <p:sldId id="392" r:id="rId9"/>
+    <p:sldId id="390" r:id="rId10"/>
+    <p:sldId id="307" r:id="rId11"/>
   </p:sldIdLst>
   <p:sldSz cx="24382413" cy="13716000"/>
   <p:notesSz cx="6858000" cy="9144000"/>
@@ -1389,7 +1391,7 @@
               <a:pPr>
                 <a:defRPr/>
               </a:pPr>
-              <a:t>8</a:t>
+              <a:t>10</a:t>
             </a:fld>
             <a:endParaRPr lang="uk-UA"/>
           </a:p>
@@ -5134,14 +5136,19 @@
             <p:ph type="title"/>
           </p:nvPr>
         </p:nvSpPr>
-        <p:spPr/>
+        <p:spPr>
+          <a:xfrm>
+            <a:off x="1157164" y="5705856"/>
+            <a:ext cx="13092236" cy="3378884"/>
+          </a:xfrm>
+        </p:spPr>
         <p:txBody>
           <a:bodyPr/>
           <a:lstStyle/>
           <a:p>
             <a:r>
               <a:rPr lang="en-US" dirty="0"/>
-              <a:t>D</a:t>
+              <a:t>Social Media Sentimental Analysis to predict Depression</a:t>
             </a:r>
           </a:p>
         </p:txBody>
@@ -5181,1035 +5188,7 @@
 </p:sld>
 </file>
 
-<file path=ppt/slides/slide2.xml><?xml version="1.0" encoding="utf-8"?>
-<p:sld xmlns:a="http://schemas.openxmlformats.org/drawingml/2006/main" xmlns:r="http://schemas.openxmlformats.org/officeDocument/2006/relationships" xmlns:p="http://schemas.openxmlformats.org/presentationml/2006/main">
-  <p:cSld>
-    <p:spTree>
-      <p:nvGrpSpPr>
-        <p:cNvPr id="1" name=""/>
-        <p:cNvGrpSpPr/>
-        <p:nvPr/>
-      </p:nvGrpSpPr>
-      <p:grpSpPr>
-        <a:xfrm>
-          <a:off x="0" y="0"/>
-          <a:ext cx="0" cy="0"/>
-          <a:chOff x="0" y="0"/>
-          <a:chExt cx="0" cy="0"/>
-        </a:xfrm>
-      </p:grpSpPr>
-      <p:sp>
-        <p:nvSpPr>
-          <p:cNvPr id="2" name="Title 1">
-            <a:extLst>
-              <a:ext uri="{FF2B5EF4-FFF2-40B4-BE49-F238E27FC236}">
-                <a16:creationId xmlns:a16="http://schemas.microsoft.com/office/drawing/2014/main" id="{64FB653E-7B74-4D2F-AE15-C212B7060064}"/>
-              </a:ext>
-            </a:extLst>
-          </p:cNvPr>
-          <p:cNvSpPr>
-            <a:spLocks noGrp="1"/>
-          </p:cNvSpPr>
-          <p:nvPr>
-            <p:ph type="title"/>
-          </p:nvPr>
-        </p:nvSpPr>
-        <p:spPr>
-          <a:xfrm>
-            <a:off x="1115569" y="211445"/>
-            <a:ext cx="22020656" cy="1945408"/>
-          </a:xfrm>
-        </p:spPr>
-        <p:txBody>
-          <a:bodyPr/>
-          <a:lstStyle/>
-          <a:p>
-            <a:r>
-              <a:rPr lang="en-US" dirty="0">
-                <a:latin typeface="Calibri" panose="020F0502020204030204" pitchFamily="34" charset="0"/>
-                <a:cs typeface="Calibri" panose="020F0502020204030204" pitchFamily="34" charset="0"/>
-              </a:rPr>
-              <a:t>Contexts</a:t>
-            </a:r>
-          </a:p>
-        </p:txBody>
-      </p:sp>
-      <p:sp>
-        <p:nvSpPr>
-          <p:cNvPr id="3" name="Content Placeholder 2">
-            <a:extLst>
-              <a:ext uri="{FF2B5EF4-FFF2-40B4-BE49-F238E27FC236}">
-                <a16:creationId xmlns:a16="http://schemas.microsoft.com/office/drawing/2014/main" id="{FACE6C9A-CDD7-4D66-B4F7-651776F62256}"/>
-              </a:ext>
-            </a:extLst>
-          </p:cNvPr>
-          <p:cNvSpPr>
-            <a:spLocks noGrp="1"/>
-          </p:cNvSpPr>
-          <p:nvPr>
-            <p:ph idx="1"/>
-          </p:nvPr>
-        </p:nvSpPr>
-        <p:spPr>
-          <a:xfrm>
-            <a:off x="1088501" y="2293040"/>
-            <a:ext cx="22047724" cy="9467850"/>
-          </a:xfrm>
-        </p:spPr>
-        <p:txBody>
-          <a:bodyPr/>
-          <a:lstStyle/>
-          <a:p>
-            <a:pPr fontAlgn="ctr"/>
-            <a:r>
-              <a:rPr lang="en-US" dirty="0">
-                <a:latin typeface="Calibri" panose="020F0502020204030204" pitchFamily="34" charset="0"/>
-                <a:cs typeface="Calibri" panose="020F0502020204030204" pitchFamily="34" charset="0"/>
-              </a:rPr>
-              <a:t>Problem Description</a:t>
-            </a:r>
-          </a:p>
-          <a:p>
-            <a:pPr fontAlgn="ctr"/>
-            <a:r>
-              <a:rPr lang="en-US" dirty="0">
-                <a:latin typeface="Calibri" panose="020F0502020204030204" pitchFamily="34" charset="0"/>
-                <a:cs typeface="Calibri" panose="020F0502020204030204" pitchFamily="34" charset="0"/>
-              </a:rPr>
-              <a:t>Proposed Solution</a:t>
-            </a:r>
-          </a:p>
-          <a:p>
-            <a:r>
-              <a:rPr lang="en-US" dirty="0">
-                <a:latin typeface="Calibri" panose="020F0502020204030204" pitchFamily="34" charset="0"/>
-                <a:cs typeface="Calibri" panose="020F0502020204030204" pitchFamily="34" charset="0"/>
-              </a:rPr>
-              <a:t>Functional Design Overview</a:t>
-            </a:r>
-          </a:p>
-          <a:p>
-            <a:r>
-              <a:rPr lang="en-US" dirty="0">
-                <a:latin typeface="Calibri" panose="020F0502020204030204" pitchFamily="34" charset="0"/>
-                <a:cs typeface="Calibri" panose="020F0502020204030204" pitchFamily="34" charset="0"/>
-              </a:rPr>
-              <a:t>Application Architecture</a:t>
-            </a:r>
-          </a:p>
-          <a:p>
-            <a:r>
-              <a:rPr lang="en-US" dirty="0">
-                <a:latin typeface="Calibri" panose="020F0502020204030204" pitchFamily="34" charset="0"/>
-                <a:cs typeface="Calibri" panose="020F0502020204030204" pitchFamily="34" charset="0"/>
-              </a:rPr>
-              <a:t>Technical Stack</a:t>
-            </a:r>
-          </a:p>
-          <a:p>
-            <a:pPr marL="0" indent="0">
-              <a:buNone/>
-            </a:pPr>
-            <a:endParaRPr lang="en-US" dirty="0"/>
-          </a:p>
-          <a:p>
-            <a:pPr marL="0" indent="0">
-              <a:buNone/>
-            </a:pPr>
-            <a:r>
-              <a:rPr lang="en-US" dirty="0"/>
-              <a:t>	</a:t>
-            </a:r>
-          </a:p>
-        </p:txBody>
-      </p:sp>
-      <p:cxnSp>
-        <p:nvCxnSpPr>
-          <p:cNvPr id="5" name="Straight Connector 4">
-            <a:extLst>
-              <a:ext uri="{FF2B5EF4-FFF2-40B4-BE49-F238E27FC236}">
-                <a16:creationId xmlns:a16="http://schemas.microsoft.com/office/drawing/2014/main" id="{5C8322C7-6B22-46F9-9F6D-BC9298D5DB5C}"/>
-              </a:ext>
-            </a:extLst>
-          </p:cNvPr>
-          <p:cNvCxnSpPr>
-            <a:cxnSpLocks/>
-          </p:cNvCxnSpPr>
-          <p:nvPr/>
-        </p:nvCxnSpPr>
-        <p:spPr>
-          <a:xfrm>
-            <a:off x="1088501" y="1789889"/>
-            <a:ext cx="22471890" cy="0"/>
-          </a:xfrm>
-          <a:prstGeom prst="line">
-            <a:avLst/>
-          </a:prstGeom>
-          <a:ln>
-            <a:tailEnd type="none"/>
-          </a:ln>
-        </p:spPr>
-        <p:style>
-          <a:lnRef idx="1">
-            <a:schemeClr val="dk1"/>
-          </a:lnRef>
-          <a:fillRef idx="0">
-            <a:schemeClr val="dk1"/>
-          </a:fillRef>
-          <a:effectRef idx="0">
-            <a:schemeClr val="dk1"/>
-          </a:effectRef>
-          <a:fontRef idx="minor">
-            <a:schemeClr val="tx1"/>
-          </a:fontRef>
-        </p:style>
-      </p:cxnSp>
-    </p:spTree>
-    <p:extLst>
-      <p:ext uri="{BB962C8B-B14F-4D97-AF65-F5344CB8AC3E}">
-        <p14:creationId xmlns:p14="http://schemas.microsoft.com/office/powerpoint/2010/main" val="3027252274"/>
-      </p:ext>
-    </p:extLst>
-  </p:cSld>
-  <p:clrMapOvr>
-    <a:masterClrMapping/>
-  </p:clrMapOvr>
-</p:sld>
-</file>
-
-<file path=ppt/slides/slide3.xml><?xml version="1.0" encoding="utf-8"?>
-<p:sld xmlns:a="http://schemas.openxmlformats.org/drawingml/2006/main" xmlns:r="http://schemas.openxmlformats.org/officeDocument/2006/relationships" xmlns:p="http://schemas.openxmlformats.org/presentationml/2006/main">
-  <p:cSld>
-    <p:spTree>
-      <p:nvGrpSpPr>
-        <p:cNvPr id="1" name=""/>
-        <p:cNvGrpSpPr/>
-        <p:nvPr/>
-      </p:nvGrpSpPr>
-      <p:grpSpPr>
-        <a:xfrm>
-          <a:off x="0" y="0"/>
-          <a:ext cx="0" cy="0"/>
-          <a:chOff x="0" y="0"/>
-          <a:chExt cx="0" cy="0"/>
-        </a:xfrm>
-      </p:grpSpPr>
-      <p:sp>
-        <p:nvSpPr>
-          <p:cNvPr id="2" name="Title 1">
-            <a:extLst>
-              <a:ext uri="{FF2B5EF4-FFF2-40B4-BE49-F238E27FC236}">
-                <a16:creationId xmlns:a16="http://schemas.microsoft.com/office/drawing/2014/main" id="{64FB653E-7B74-4D2F-AE15-C212B7060064}"/>
-              </a:ext>
-            </a:extLst>
-          </p:cNvPr>
-          <p:cNvSpPr>
-            <a:spLocks noGrp="1"/>
-          </p:cNvSpPr>
-          <p:nvPr>
-            <p:ph type="title"/>
-          </p:nvPr>
-        </p:nvSpPr>
-        <p:spPr>
-          <a:xfrm>
-            <a:off x="1115569" y="211445"/>
-            <a:ext cx="22020656" cy="1945408"/>
-          </a:xfrm>
-        </p:spPr>
-        <p:txBody>
-          <a:bodyPr/>
-          <a:lstStyle/>
-          <a:p>
-            <a:r>
-              <a:rPr lang="en-US" dirty="0">
-                <a:latin typeface="Calibri" panose="020F0502020204030204" pitchFamily="34" charset="0"/>
-                <a:cs typeface="Calibri" panose="020F0502020204030204" pitchFamily="34" charset="0"/>
-              </a:rPr>
-              <a:t>Problem Description</a:t>
-            </a:r>
-          </a:p>
-        </p:txBody>
-      </p:sp>
-      <p:sp>
-        <p:nvSpPr>
-          <p:cNvPr id="3" name="Content Placeholder 2">
-            <a:extLst>
-              <a:ext uri="{FF2B5EF4-FFF2-40B4-BE49-F238E27FC236}">
-                <a16:creationId xmlns:a16="http://schemas.microsoft.com/office/drawing/2014/main" id="{FACE6C9A-CDD7-4D66-B4F7-651776F62256}"/>
-              </a:ext>
-            </a:extLst>
-          </p:cNvPr>
-          <p:cNvSpPr>
-            <a:spLocks noGrp="1"/>
-          </p:cNvSpPr>
-          <p:nvPr>
-            <p:ph idx="1"/>
-          </p:nvPr>
-        </p:nvSpPr>
-        <p:spPr>
-          <a:xfrm>
-            <a:off x="1088501" y="2293040"/>
-            <a:ext cx="22047724" cy="9467850"/>
-          </a:xfrm>
-        </p:spPr>
-        <p:txBody>
-          <a:bodyPr/>
-          <a:lstStyle/>
-          <a:p>
-            <a:pPr>
-              <a:buFont typeface="Wingdings" panose="05000000000000000000" pitchFamily="2" charset="2"/>
-              <a:buChar char="ü"/>
-            </a:pPr>
-            <a:r>
-              <a:rPr lang="en-US" dirty="0">
-                <a:latin typeface="Calibri" panose="020F0502020204030204" pitchFamily="34" charset="0"/>
-                <a:cs typeface="Calibri" panose="020F0502020204030204" pitchFamily="34" charset="0"/>
-              </a:rPr>
-              <a:t>Depression causes severe health problems</a:t>
-            </a:r>
-          </a:p>
-          <a:p>
-            <a:pPr>
-              <a:buFont typeface="Wingdings" panose="05000000000000000000" pitchFamily="2" charset="2"/>
-              <a:buChar char="ü"/>
-            </a:pPr>
-            <a:r>
-              <a:rPr lang="en-US" dirty="0">
-                <a:latin typeface="Calibri" panose="020F0502020204030204" pitchFamily="34" charset="0"/>
-                <a:cs typeface="Calibri" panose="020F0502020204030204" pitchFamily="34" charset="0"/>
-              </a:rPr>
-              <a:t>People suffering from depression rarely take any assistance</a:t>
-            </a:r>
-          </a:p>
-          <a:p>
-            <a:pPr marL="0" indent="0">
-              <a:buNone/>
-            </a:pPr>
-            <a:endParaRPr lang="en-US" dirty="0"/>
-          </a:p>
-        </p:txBody>
-      </p:sp>
-      <p:cxnSp>
-        <p:nvCxnSpPr>
-          <p:cNvPr id="5" name="Straight Connector 4">
-            <a:extLst>
-              <a:ext uri="{FF2B5EF4-FFF2-40B4-BE49-F238E27FC236}">
-                <a16:creationId xmlns:a16="http://schemas.microsoft.com/office/drawing/2014/main" id="{5C8322C7-6B22-46F9-9F6D-BC9298D5DB5C}"/>
-              </a:ext>
-            </a:extLst>
-          </p:cNvPr>
-          <p:cNvCxnSpPr>
-            <a:cxnSpLocks/>
-          </p:cNvCxnSpPr>
-          <p:nvPr/>
-        </p:nvCxnSpPr>
-        <p:spPr>
-          <a:xfrm>
-            <a:off x="1088501" y="1789889"/>
-            <a:ext cx="22471890" cy="0"/>
-          </a:xfrm>
-          <a:prstGeom prst="line">
-            <a:avLst/>
-          </a:prstGeom>
-          <a:ln>
-            <a:tailEnd type="none"/>
-          </a:ln>
-        </p:spPr>
-        <p:style>
-          <a:lnRef idx="1">
-            <a:schemeClr val="dk1"/>
-          </a:lnRef>
-          <a:fillRef idx="0">
-            <a:schemeClr val="dk1"/>
-          </a:fillRef>
-          <a:effectRef idx="0">
-            <a:schemeClr val="dk1"/>
-          </a:effectRef>
-          <a:fontRef idx="minor">
-            <a:schemeClr val="tx1"/>
-          </a:fontRef>
-        </p:style>
-      </p:cxnSp>
-    </p:spTree>
-    <p:extLst>
-      <p:ext uri="{BB962C8B-B14F-4D97-AF65-F5344CB8AC3E}">
-        <p14:creationId xmlns:p14="http://schemas.microsoft.com/office/powerpoint/2010/main" val="2465125234"/>
-      </p:ext>
-    </p:extLst>
-  </p:cSld>
-  <p:clrMapOvr>
-    <a:masterClrMapping/>
-  </p:clrMapOvr>
-</p:sld>
-</file>
-
-<file path=ppt/slides/slide4.xml><?xml version="1.0" encoding="utf-8"?>
-<p:sld xmlns:a="http://schemas.openxmlformats.org/drawingml/2006/main" xmlns:r="http://schemas.openxmlformats.org/officeDocument/2006/relationships" xmlns:p="http://schemas.openxmlformats.org/presentationml/2006/main">
-  <p:cSld>
-    <p:spTree>
-      <p:nvGrpSpPr>
-        <p:cNvPr id="1" name=""/>
-        <p:cNvGrpSpPr/>
-        <p:nvPr/>
-      </p:nvGrpSpPr>
-      <p:grpSpPr>
-        <a:xfrm>
-          <a:off x="0" y="0"/>
-          <a:ext cx="0" cy="0"/>
-          <a:chOff x="0" y="0"/>
-          <a:chExt cx="0" cy="0"/>
-        </a:xfrm>
-      </p:grpSpPr>
-      <p:sp>
-        <p:nvSpPr>
-          <p:cNvPr id="2" name="Title 1">
-            <a:extLst>
-              <a:ext uri="{FF2B5EF4-FFF2-40B4-BE49-F238E27FC236}">
-                <a16:creationId xmlns:a16="http://schemas.microsoft.com/office/drawing/2014/main" id="{64FB653E-7B74-4D2F-AE15-C212B7060064}"/>
-              </a:ext>
-            </a:extLst>
-          </p:cNvPr>
-          <p:cNvSpPr>
-            <a:spLocks noGrp="1"/>
-          </p:cNvSpPr>
-          <p:nvPr>
-            <p:ph type="title"/>
-          </p:nvPr>
-        </p:nvSpPr>
-        <p:spPr>
-          <a:xfrm>
-            <a:off x="1115569" y="211445"/>
-            <a:ext cx="22020656" cy="1945408"/>
-          </a:xfrm>
-        </p:spPr>
-        <p:txBody>
-          <a:bodyPr/>
-          <a:lstStyle/>
-          <a:p>
-            <a:r>
-              <a:rPr lang="en-US" dirty="0">
-                <a:latin typeface="Calibri" panose="020F0502020204030204" pitchFamily="34" charset="0"/>
-                <a:cs typeface="Calibri" panose="020F0502020204030204" pitchFamily="34" charset="0"/>
-              </a:rPr>
-              <a:t>Proposed Solution</a:t>
-            </a:r>
-          </a:p>
-        </p:txBody>
-      </p:sp>
-      <p:sp>
-        <p:nvSpPr>
-          <p:cNvPr id="3" name="Content Placeholder 2">
-            <a:extLst>
-              <a:ext uri="{FF2B5EF4-FFF2-40B4-BE49-F238E27FC236}">
-                <a16:creationId xmlns:a16="http://schemas.microsoft.com/office/drawing/2014/main" id="{FACE6C9A-CDD7-4D66-B4F7-651776F62256}"/>
-              </a:ext>
-            </a:extLst>
-          </p:cNvPr>
-          <p:cNvSpPr>
-            <a:spLocks noGrp="1"/>
-          </p:cNvSpPr>
-          <p:nvPr>
-            <p:ph idx="1"/>
-          </p:nvPr>
-        </p:nvSpPr>
-        <p:spPr>
-          <a:xfrm>
-            <a:off x="1088501" y="2293040"/>
-            <a:ext cx="22047724" cy="9467850"/>
-          </a:xfrm>
-        </p:spPr>
-        <p:txBody>
-          <a:bodyPr/>
-          <a:lstStyle/>
-          <a:p>
-            <a:pPr>
-              <a:buFont typeface="Wingdings" panose="05000000000000000000" pitchFamily="2" charset="2"/>
-              <a:buChar char="ü"/>
-            </a:pPr>
-            <a:r>
-              <a:rPr lang="en-US" dirty="0">
-                <a:latin typeface="Calibri" panose="020F0502020204030204" pitchFamily="34" charset="0"/>
-                <a:cs typeface="Calibri" panose="020F0502020204030204" pitchFamily="34" charset="0"/>
-              </a:rPr>
-              <a:t>Identifies depression among active Instagram uses</a:t>
-            </a:r>
-          </a:p>
-          <a:p>
-            <a:pPr>
-              <a:buFont typeface="Wingdings" panose="05000000000000000000" pitchFamily="2" charset="2"/>
-              <a:buChar char="ü"/>
-            </a:pPr>
-            <a:r>
-              <a:rPr lang="en-US" dirty="0">
-                <a:latin typeface="Calibri" panose="020F0502020204030204" pitchFamily="34" charset="0"/>
-                <a:cs typeface="Calibri" panose="020F0502020204030204" pitchFamily="34" charset="0"/>
-              </a:rPr>
-              <a:t>Proposed android application detects depression accurately</a:t>
-            </a:r>
-          </a:p>
-          <a:p>
-            <a:pPr>
-              <a:buFont typeface="Wingdings" panose="05000000000000000000" pitchFamily="2" charset="2"/>
-              <a:buChar char="ü"/>
-            </a:pPr>
-            <a:r>
-              <a:rPr lang="en-US" dirty="0">
-                <a:latin typeface="Calibri" panose="020F0502020204030204" pitchFamily="34" charset="0"/>
-                <a:cs typeface="Calibri" panose="020F0502020204030204" pitchFamily="34" charset="0"/>
-              </a:rPr>
-              <a:t>Prediction of depression level using Naïve Bayes classification and NLTK Sentimental Analyzer</a:t>
-            </a:r>
-          </a:p>
-          <a:p>
-            <a:pPr>
-              <a:buFont typeface="Wingdings" panose="05000000000000000000" pitchFamily="2" charset="2"/>
-              <a:buChar char="ü"/>
-            </a:pPr>
-            <a:r>
-              <a:rPr lang="en-US" dirty="0">
-                <a:latin typeface="Calibri" panose="020F0502020204030204" pitchFamily="34" charset="0"/>
-                <a:cs typeface="Calibri" panose="020F0502020204030204" pitchFamily="34" charset="0"/>
-              </a:rPr>
-              <a:t>Sends notifications to close friends using Android Push Notification library</a:t>
-            </a:r>
-          </a:p>
-          <a:p>
-            <a:pPr>
-              <a:buFont typeface="Wingdings" panose="05000000000000000000" pitchFamily="2" charset="2"/>
-              <a:buChar char="ü"/>
-            </a:pPr>
-            <a:r>
-              <a:rPr lang="en-US" dirty="0">
-                <a:latin typeface="Calibri" panose="020F0502020204030204" pitchFamily="34" charset="0"/>
-                <a:cs typeface="Calibri" panose="020F0502020204030204" pitchFamily="34" charset="0"/>
-              </a:rPr>
-              <a:t> Recommends motivational posts and videos</a:t>
-            </a:r>
-          </a:p>
-          <a:p>
-            <a:endParaRPr lang="en-US" dirty="0">
-              <a:latin typeface="Calibri" panose="020F0502020204030204" pitchFamily="34" charset="0"/>
-              <a:cs typeface="Calibri" panose="020F0502020204030204" pitchFamily="34" charset="0"/>
-            </a:endParaRPr>
-          </a:p>
-        </p:txBody>
-      </p:sp>
-      <p:cxnSp>
-        <p:nvCxnSpPr>
-          <p:cNvPr id="5" name="Straight Connector 4">
-            <a:extLst>
-              <a:ext uri="{FF2B5EF4-FFF2-40B4-BE49-F238E27FC236}">
-                <a16:creationId xmlns:a16="http://schemas.microsoft.com/office/drawing/2014/main" id="{5C8322C7-6B22-46F9-9F6D-BC9298D5DB5C}"/>
-              </a:ext>
-            </a:extLst>
-          </p:cNvPr>
-          <p:cNvCxnSpPr>
-            <a:cxnSpLocks/>
-          </p:cNvCxnSpPr>
-          <p:nvPr/>
-        </p:nvCxnSpPr>
-        <p:spPr>
-          <a:xfrm>
-            <a:off x="1088501" y="1789889"/>
-            <a:ext cx="22471890" cy="0"/>
-          </a:xfrm>
-          <a:prstGeom prst="line">
-            <a:avLst/>
-          </a:prstGeom>
-          <a:ln>
-            <a:tailEnd type="none"/>
-          </a:ln>
-        </p:spPr>
-        <p:style>
-          <a:lnRef idx="1">
-            <a:schemeClr val="dk1"/>
-          </a:lnRef>
-          <a:fillRef idx="0">
-            <a:schemeClr val="dk1"/>
-          </a:fillRef>
-          <a:effectRef idx="0">
-            <a:schemeClr val="dk1"/>
-          </a:effectRef>
-          <a:fontRef idx="minor">
-            <a:schemeClr val="tx1"/>
-          </a:fontRef>
-        </p:style>
-      </p:cxnSp>
-    </p:spTree>
-    <p:extLst>
-      <p:ext uri="{BB962C8B-B14F-4D97-AF65-F5344CB8AC3E}">
-        <p14:creationId xmlns:p14="http://schemas.microsoft.com/office/powerpoint/2010/main" val="2291826038"/>
-      </p:ext>
-    </p:extLst>
-  </p:cSld>
-  <p:clrMapOvr>
-    <a:masterClrMapping/>
-  </p:clrMapOvr>
-</p:sld>
-</file>
-
-<file path=ppt/slides/slide5.xml><?xml version="1.0" encoding="utf-8"?>
-<p:sld xmlns:a="http://schemas.openxmlformats.org/drawingml/2006/main" xmlns:r="http://schemas.openxmlformats.org/officeDocument/2006/relationships" xmlns:p="http://schemas.openxmlformats.org/presentationml/2006/main">
-  <p:cSld>
-    <p:spTree>
-      <p:nvGrpSpPr>
-        <p:cNvPr id="1" name=""/>
-        <p:cNvGrpSpPr/>
-        <p:nvPr/>
-      </p:nvGrpSpPr>
-      <p:grpSpPr>
-        <a:xfrm>
-          <a:off x="0" y="0"/>
-          <a:ext cx="0" cy="0"/>
-          <a:chOff x="0" y="0"/>
-          <a:chExt cx="0" cy="0"/>
-        </a:xfrm>
-      </p:grpSpPr>
-      <p:sp>
-        <p:nvSpPr>
-          <p:cNvPr id="2" name="Title 1">
-            <a:extLst>
-              <a:ext uri="{FF2B5EF4-FFF2-40B4-BE49-F238E27FC236}">
-                <a16:creationId xmlns:a16="http://schemas.microsoft.com/office/drawing/2014/main" id="{64FB653E-7B74-4D2F-AE15-C212B7060064}"/>
-              </a:ext>
-            </a:extLst>
-          </p:cNvPr>
-          <p:cNvSpPr>
-            <a:spLocks noGrp="1"/>
-          </p:cNvSpPr>
-          <p:nvPr>
-            <p:ph type="title"/>
-          </p:nvPr>
-        </p:nvSpPr>
-        <p:spPr>
-          <a:xfrm>
-            <a:off x="1115569" y="211445"/>
-            <a:ext cx="22020656" cy="1945408"/>
-          </a:xfrm>
-        </p:spPr>
-        <p:txBody>
-          <a:bodyPr/>
-          <a:lstStyle/>
-          <a:p>
-            <a:r>
-              <a:rPr lang="en-US" dirty="0">
-                <a:latin typeface="Calibri" panose="020F0502020204030204" pitchFamily="34" charset="0"/>
-                <a:cs typeface="Calibri" panose="020F0502020204030204" pitchFamily="34" charset="0"/>
-              </a:rPr>
-              <a:t>Functional Design Overview</a:t>
-            </a:r>
-          </a:p>
-        </p:txBody>
-      </p:sp>
-      <p:sp>
-        <p:nvSpPr>
-          <p:cNvPr id="3" name="Content Placeholder 2">
-            <a:extLst>
-              <a:ext uri="{FF2B5EF4-FFF2-40B4-BE49-F238E27FC236}">
-                <a16:creationId xmlns:a16="http://schemas.microsoft.com/office/drawing/2014/main" id="{FACE6C9A-CDD7-4D66-B4F7-651776F62256}"/>
-              </a:ext>
-            </a:extLst>
-          </p:cNvPr>
-          <p:cNvSpPr>
-            <a:spLocks noGrp="1"/>
-          </p:cNvSpPr>
-          <p:nvPr>
-            <p:ph idx="1"/>
-          </p:nvPr>
-        </p:nvSpPr>
-        <p:spPr>
-          <a:xfrm>
-            <a:off x="1088501" y="2293040"/>
-            <a:ext cx="22047724" cy="9467850"/>
-          </a:xfrm>
-        </p:spPr>
-        <p:txBody>
-          <a:bodyPr/>
-          <a:lstStyle/>
-          <a:p>
-            <a:r>
-              <a:rPr lang="en-US" dirty="0">
-                <a:latin typeface="Calibri" panose="020F0502020204030204" pitchFamily="34" charset="0"/>
-                <a:cs typeface="Calibri" panose="020F0502020204030204" pitchFamily="34" charset="0"/>
-              </a:rPr>
-              <a:t>9</a:t>
-            </a:r>
-          </a:p>
-        </p:txBody>
-      </p:sp>
-      <p:cxnSp>
-        <p:nvCxnSpPr>
-          <p:cNvPr id="5" name="Straight Connector 4">
-            <a:extLst>
-              <a:ext uri="{FF2B5EF4-FFF2-40B4-BE49-F238E27FC236}">
-                <a16:creationId xmlns:a16="http://schemas.microsoft.com/office/drawing/2014/main" id="{5C8322C7-6B22-46F9-9F6D-BC9298D5DB5C}"/>
-              </a:ext>
-            </a:extLst>
-          </p:cNvPr>
-          <p:cNvCxnSpPr>
-            <a:cxnSpLocks/>
-          </p:cNvCxnSpPr>
-          <p:nvPr/>
-        </p:nvCxnSpPr>
-        <p:spPr>
-          <a:xfrm>
-            <a:off x="1088501" y="1789889"/>
-            <a:ext cx="22471890" cy="0"/>
-          </a:xfrm>
-          <a:prstGeom prst="line">
-            <a:avLst/>
-          </a:prstGeom>
-          <a:ln>
-            <a:tailEnd type="none"/>
-          </a:ln>
-        </p:spPr>
-        <p:style>
-          <a:lnRef idx="1">
-            <a:schemeClr val="dk1"/>
-          </a:lnRef>
-          <a:fillRef idx="0">
-            <a:schemeClr val="dk1"/>
-          </a:fillRef>
-          <a:effectRef idx="0">
-            <a:schemeClr val="dk1"/>
-          </a:effectRef>
-          <a:fontRef idx="minor">
-            <a:schemeClr val="tx1"/>
-          </a:fontRef>
-        </p:style>
-      </p:cxnSp>
-    </p:spTree>
-    <p:extLst>
-      <p:ext uri="{BB962C8B-B14F-4D97-AF65-F5344CB8AC3E}">
-        <p14:creationId xmlns:p14="http://schemas.microsoft.com/office/powerpoint/2010/main" val="3672587379"/>
-      </p:ext>
-    </p:extLst>
-  </p:cSld>
-  <p:clrMapOvr>
-    <a:masterClrMapping/>
-  </p:clrMapOvr>
-</p:sld>
-</file>
-
-<file path=ppt/slides/slide6.xml><?xml version="1.0" encoding="utf-8"?>
-<p:sld xmlns:a="http://schemas.openxmlformats.org/drawingml/2006/main" xmlns:r="http://schemas.openxmlformats.org/officeDocument/2006/relationships" xmlns:p="http://schemas.openxmlformats.org/presentationml/2006/main">
-  <p:cSld>
-    <p:spTree>
-      <p:nvGrpSpPr>
-        <p:cNvPr id="1" name=""/>
-        <p:cNvGrpSpPr/>
-        <p:nvPr/>
-      </p:nvGrpSpPr>
-      <p:grpSpPr>
-        <a:xfrm>
-          <a:off x="0" y="0"/>
-          <a:ext cx="0" cy="0"/>
-          <a:chOff x="0" y="0"/>
-          <a:chExt cx="0" cy="0"/>
-        </a:xfrm>
-      </p:grpSpPr>
-      <p:sp>
-        <p:nvSpPr>
-          <p:cNvPr id="2" name="Title 1">
-            <a:extLst>
-              <a:ext uri="{FF2B5EF4-FFF2-40B4-BE49-F238E27FC236}">
-                <a16:creationId xmlns:a16="http://schemas.microsoft.com/office/drawing/2014/main" id="{64FB653E-7B74-4D2F-AE15-C212B7060064}"/>
-              </a:ext>
-            </a:extLst>
-          </p:cNvPr>
-          <p:cNvSpPr>
-            <a:spLocks noGrp="1"/>
-          </p:cNvSpPr>
-          <p:nvPr>
-            <p:ph type="title"/>
-          </p:nvPr>
-        </p:nvSpPr>
-        <p:spPr>
-          <a:xfrm>
-            <a:off x="1115569" y="211445"/>
-            <a:ext cx="22020656" cy="1945408"/>
-          </a:xfrm>
-        </p:spPr>
-        <p:txBody>
-          <a:bodyPr/>
-          <a:lstStyle/>
-          <a:p>
-            <a:r>
-              <a:rPr lang="en-US" dirty="0">
-                <a:latin typeface="Calibri" panose="020F0502020204030204" pitchFamily="34" charset="0"/>
-                <a:cs typeface="Calibri" panose="020F0502020204030204" pitchFamily="34" charset="0"/>
-              </a:rPr>
-              <a:t>Application Architecture</a:t>
-            </a:r>
-          </a:p>
-        </p:txBody>
-      </p:sp>
-      <p:sp>
-        <p:nvSpPr>
-          <p:cNvPr id="3" name="Content Placeholder 2">
-            <a:extLst>
-              <a:ext uri="{FF2B5EF4-FFF2-40B4-BE49-F238E27FC236}">
-                <a16:creationId xmlns:a16="http://schemas.microsoft.com/office/drawing/2014/main" id="{FACE6C9A-CDD7-4D66-B4F7-651776F62256}"/>
-              </a:ext>
-            </a:extLst>
-          </p:cNvPr>
-          <p:cNvSpPr>
-            <a:spLocks noGrp="1"/>
-          </p:cNvSpPr>
-          <p:nvPr>
-            <p:ph idx="1"/>
-          </p:nvPr>
-        </p:nvSpPr>
-        <p:spPr>
-          <a:xfrm>
-            <a:off x="1088501" y="2293040"/>
-            <a:ext cx="22047724" cy="9467850"/>
-          </a:xfrm>
-        </p:spPr>
-        <p:txBody>
-          <a:bodyPr/>
-          <a:lstStyle/>
-          <a:p>
-            <a:r>
-              <a:rPr lang="en-US" dirty="0">
-                <a:latin typeface="Calibri" panose="020F0502020204030204" pitchFamily="34" charset="0"/>
-                <a:cs typeface="Calibri" panose="020F0502020204030204" pitchFamily="34" charset="0"/>
-              </a:rPr>
-              <a:t>9</a:t>
-            </a:r>
-          </a:p>
-        </p:txBody>
-      </p:sp>
-      <p:cxnSp>
-        <p:nvCxnSpPr>
-          <p:cNvPr id="5" name="Straight Connector 4">
-            <a:extLst>
-              <a:ext uri="{FF2B5EF4-FFF2-40B4-BE49-F238E27FC236}">
-                <a16:creationId xmlns:a16="http://schemas.microsoft.com/office/drawing/2014/main" id="{5C8322C7-6B22-46F9-9F6D-BC9298D5DB5C}"/>
-              </a:ext>
-            </a:extLst>
-          </p:cNvPr>
-          <p:cNvCxnSpPr>
-            <a:cxnSpLocks/>
-          </p:cNvCxnSpPr>
-          <p:nvPr/>
-        </p:nvCxnSpPr>
-        <p:spPr>
-          <a:xfrm>
-            <a:off x="1088501" y="1789889"/>
-            <a:ext cx="22471890" cy="0"/>
-          </a:xfrm>
-          <a:prstGeom prst="line">
-            <a:avLst/>
-          </a:prstGeom>
-          <a:ln>
-            <a:tailEnd type="none"/>
-          </a:ln>
-        </p:spPr>
-        <p:style>
-          <a:lnRef idx="1">
-            <a:schemeClr val="dk1"/>
-          </a:lnRef>
-          <a:fillRef idx="0">
-            <a:schemeClr val="dk1"/>
-          </a:fillRef>
-          <a:effectRef idx="0">
-            <a:schemeClr val="dk1"/>
-          </a:effectRef>
-          <a:fontRef idx="minor">
-            <a:schemeClr val="tx1"/>
-          </a:fontRef>
-        </p:style>
-      </p:cxnSp>
-    </p:spTree>
-    <p:extLst>
-      <p:ext uri="{BB962C8B-B14F-4D97-AF65-F5344CB8AC3E}">
-        <p14:creationId xmlns:p14="http://schemas.microsoft.com/office/powerpoint/2010/main" val="3296706269"/>
-      </p:ext>
-    </p:extLst>
-  </p:cSld>
-  <p:clrMapOvr>
-    <a:masterClrMapping/>
-  </p:clrMapOvr>
-</p:sld>
-</file>
-
-<file path=ppt/slides/slide7.xml><?xml version="1.0" encoding="utf-8"?>
-<p:sld xmlns:a="http://schemas.openxmlformats.org/drawingml/2006/main" xmlns:r="http://schemas.openxmlformats.org/officeDocument/2006/relationships" xmlns:p="http://schemas.openxmlformats.org/presentationml/2006/main">
-  <p:cSld>
-    <p:spTree>
-      <p:nvGrpSpPr>
-        <p:cNvPr id="1" name=""/>
-        <p:cNvGrpSpPr/>
-        <p:nvPr/>
-      </p:nvGrpSpPr>
-      <p:grpSpPr>
-        <a:xfrm>
-          <a:off x="0" y="0"/>
-          <a:ext cx="0" cy="0"/>
-          <a:chOff x="0" y="0"/>
-          <a:chExt cx="0" cy="0"/>
-        </a:xfrm>
-      </p:grpSpPr>
-      <p:sp>
-        <p:nvSpPr>
-          <p:cNvPr id="2" name="Title 1">
-            <a:extLst>
-              <a:ext uri="{FF2B5EF4-FFF2-40B4-BE49-F238E27FC236}">
-                <a16:creationId xmlns:a16="http://schemas.microsoft.com/office/drawing/2014/main" id="{64FB653E-7B74-4D2F-AE15-C212B7060064}"/>
-              </a:ext>
-            </a:extLst>
-          </p:cNvPr>
-          <p:cNvSpPr>
-            <a:spLocks noGrp="1"/>
-          </p:cNvSpPr>
-          <p:nvPr>
-            <p:ph type="title"/>
-          </p:nvPr>
-        </p:nvSpPr>
-        <p:spPr>
-          <a:xfrm>
-            <a:off x="1115569" y="211445"/>
-            <a:ext cx="22020656" cy="1945408"/>
-          </a:xfrm>
-        </p:spPr>
-        <p:txBody>
-          <a:bodyPr/>
-          <a:lstStyle/>
-          <a:p>
-            <a:r>
-              <a:rPr lang="en-US" dirty="0">
-                <a:latin typeface="Calibri" panose="020F0502020204030204" pitchFamily="34" charset="0"/>
-                <a:cs typeface="Calibri" panose="020F0502020204030204" pitchFamily="34" charset="0"/>
-              </a:rPr>
-              <a:t>Technical Stack</a:t>
-            </a:r>
-          </a:p>
-        </p:txBody>
-      </p:sp>
-      <p:sp>
-        <p:nvSpPr>
-          <p:cNvPr id="3" name="Content Placeholder 2">
-            <a:extLst>
-              <a:ext uri="{FF2B5EF4-FFF2-40B4-BE49-F238E27FC236}">
-                <a16:creationId xmlns:a16="http://schemas.microsoft.com/office/drawing/2014/main" id="{FACE6C9A-CDD7-4D66-B4F7-651776F62256}"/>
-              </a:ext>
-            </a:extLst>
-          </p:cNvPr>
-          <p:cNvSpPr>
-            <a:spLocks noGrp="1"/>
-          </p:cNvSpPr>
-          <p:nvPr>
-            <p:ph idx="1"/>
-          </p:nvPr>
-        </p:nvSpPr>
-        <p:spPr>
-          <a:xfrm>
-            <a:off x="1088501" y="2293040"/>
-            <a:ext cx="22047724" cy="9467850"/>
-          </a:xfrm>
-        </p:spPr>
-        <p:txBody>
-          <a:bodyPr/>
-          <a:lstStyle/>
-          <a:p>
-            <a:r>
-              <a:rPr lang="en-US" sz="4000" dirty="0">
-                <a:latin typeface="Calibri" panose="020F0502020204030204" pitchFamily="34" charset="0"/>
-                <a:cs typeface="Calibri" panose="020F0502020204030204" pitchFamily="34" charset="0"/>
-              </a:rPr>
-              <a:t>User Interface – Android SDK</a:t>
-            </a:r>
-          </a:p>
-          <a:p>
-            <a:r>
-              <a:rPr lang="en-US" sz="4000" dirty="0">
-                <a:latin typeface="Calibri" panose="020F0502020204030204" pitchFamily="34" charset="0"/>
-                <a:cs typeface="Calibri" panose="020F0502020204030204" pitchFamily="34" charset="0"/>
-              </a:rPr>
-              <a:t>Backend Service – </a:t>
-            </a:r>
-          </a:p>
-          <a:p>
-            <a:r>
-              <a:rPr lang="en-US" sz="4000" dirty="0">
-                <a:latin typeface="Calibri" panose="020F0502020204030204" pitchFamily="34" charset="0"/>
-                <a:cs typeface="Calibri" panose="020F0502020204030204" pitchFamily="34" charset="0"/>
-              </a:rPr>
-              <a:t>Machine Learning – Python, </a:t>
-            </a:r>
-            <a:r>
-              <a:rPr lang="en-US" sz="4000" dirty="0" err="1">
-                <a:latin typeface="Calibri" panose="020F0502020204030204" pitchFamily="34" charset="0"/>
-                <a:cs typeface="Calibri" panose="020F0502020204030204" pitchFamily="34" charset="0"/>
-              </a:rPr>
-              <a:t>Jupyter</a:t>
-            </a:r>
-            <a:r>
-              <a:rPr lang="en-US" sz="4000" dirty="0">
-                <a:latin typeface="Calibri" panose="020F0502020204030204" pitchFamily="34" charset="0"/>
-                <a:cs typeface="Calibri" panose="020F0502020204030204" pitchFamily="34" charset="0"/>
-              </a:rPr>
-              <a:t> Notebook</a:t>
-            </a:r>
-          </a:p>
-        </p:txBody>
-      </p:sp>
-      <p:cxnSp>
-        <p:nvCxnSpPr>
-          <p:cNvPr id="5" name="Straight Connector 4">
-            <a:extLst>
-              <a:ext uri="{FF2B5EF4-FFF2-40B4-BE49-F238E27FC236}">
-                <a16:creationId xmlns:a16="http://schemas.microsoft.com/office/drawing/2014/main" id="{5C8322C7-6B22-46F9-9F6D-BC9298D5DB5C}"/>
-              </a:ext>
-            </a:extLst>
-          </p:cNvPr>
-          <p:cNvCxnSpPr>
-            <a:cxnSpLocks/>
-          </p:cNvCxnSpPr>
-          <p:nvPr/>
-        </p:nvCxnSpPr>
-        <p:spPr>
-          <a:xfrm>
-            <a:off x="1088501" y="1789889"/>
-            <a:ext cx="22471890" cy="0"/>
-          </a:xfrm>
-          <a:prstGeom prst="line">
-            <a:avLst/>
-          </a:prstGeom>
-          <a:ln>
-            <a:tailEnd type="none"/>
-          </a:ln>
-        </p:spPr>
-        <p:style>
-          <a:lnRef idx="1">
-            <a:schemeClr val="dk1"/>
-          </a:lnRef>
-          <a:fillRef idx="0">
-            <a:schemeClr val="dk1"/>
-          </a:fillRef>
-          <a:effectRef idx="0">
-            <a:schemeClr val="dk1"/>
-          </a:effectRef>
-          <a:fontRef idx="minor">
-            <a:schemeClr val="tx1"/>
-          </a:fontRef>
-        </p:style>
-      </p:cxnSp>
-    </p:spTree>
-    <p:extLst>
-      <p:ext uri="{BB962C8B-B14F-4D97-AF65-F5344CB8AC3E}">
-        <p14:creationId xmlns:p14="http://schemas.microsoft.com/office/powerpoint/2010/main" val="2883518066"/>
-      </p:ext>
-    </p:extLst>
-  </p:cSld>
-  <p:clrMapOvr>
-    <a:masterClrMapping/>
-  </p:clrMapOvr>
-</p:sld>
-</file>
-
-<file path=ppt/slides/slide8.xml><?xml version="1.0" encoding="utf-8"?>
+<file path=ppt/slides/slide10.xml><?xml version="1.0" encoding="utf-8"?>
 <p:sld xmlns:a="http://schemas.openxmlformats.org/drawingml/2006/main" xmlns:r="http://schemas.openxmlformats.org/officeDocument/2006/relationships" xmlns:p="http://schemas.openxmlformats.org/presentationml/2006/main">
   <p:cSld>
     <p:spTree>
@@ -7069,6 +6048,1310 @@
     <p:extLst>
       <p:ext uri="{BB962C8B-B14F-4D97-AF65-F5344CB8AC3E}">
         <p14:creationId xmlns:p14="http://schemas.microsoft.com/office/powerpoint/2010/main" val="3694022637"/>
+      </p:ext>
+    </p:extLst>
+  </p:cSld>
+  <p:clrMapOvr>
+    <a:masterClrMapping/>
+  </p:clrMapOvr>
+</p:sld>
+</file>
+
+<file path=ppt/slides/slide2.xml><?xml version="1.0" encoding="utf-8"?>
+<p:sld xmlns:a="http://schemas.openxmlformats.org/drawingml/2006/main" xmlns:r="http://schemas.openxmlformats.org/officeDocument/2006/relationships" xmlns:p="http://schemas.openxmlformats.org/presentationml/2006/main">
+  <p:cSld>
+    <p:spTree>
+      <p:nvGrpSpPr>
+        <p:cNvPr id="1" name=""/>
+        <p:cNvGrpSpPr/>
+        <p:nvPr/>
+      </p:nvGrpSpPr>
+      <p:grpSpPr>
+        <a:xfrm>
+          <a:off x="0" y="0"/>
+          <a:ext cx="0" cy="0"/>
+          <a:chOff x="0" y="0"/>
+          <a:chExt cx="0" cy="0"/>
+        </a:xfrm>
+      </p:grpSpPr>
+      <p:sp>
+        <p:nvSpPr>
+          <p:cNvPr id="2" name="Title 1">
+            <a:extLst>
+              <a:ext uri="{FF2B5EF4-FFF2-40B4-BE49-F238E27FC236}">
+                <a16:creationId xmlns:a16="http://schemas.microsoft.com/office/drawing/2014/main" id="{64FB653E-7B74-4D2F-AE15-C212B7060064}"/>
+              </a:ext>
+            </a:extLst>
+          </p:cNvPr>
+          <p:cNvSpPr>
+            <a:spLocks noGrp="1"/>
+          </p:cNvSpPr>
+          <p:nvPr>
+            <p:ph type="title"/>
+          </p:nvPr>
+        </p:nvSpPr>
+        <p:spPr>
+          <a:xfrm>
+            <a:off x="1115569" y="211445"/>
+            <a:ext cx="22020656" cy="1945408"/>
+          </a:xfrm>
+        </p:spPr>
+        <p:txBody>
+          <a:bodyPr/>
+          <a:lstStyle/>
+          <a:p>
+            <a:r>
+              <a:rPr lang="en-US" dirty="0">
+                <a:latin typeface="Calibri" panose="020F0502020204030204" pitchFamily="34" charset="0"/>
+                <a:cs typeface="Calibri" panose="020F0502020204030204" pitchFamily="34" charset="0"/>
+              </a:rPr>
+              <a:t>Contexts</a:t>
+            </a:r>
+          </a:p>
+        </p:txBody>
+      </p:sp>
+      <p:sp>
+        <p:nvSpPr>
+          <p:cNvPr id="3" name="Content Placeholder 2">
+            <a:extLst>
+              <a:ext uri="{FF2B5EF4-FFF2-40B4-BE49-F238E27FC236}">
+                <a16:creationId xmlns:a16="http://schemas.microsoft.com/office/drawing/2014/main" id="{FACE6C9A-CDD7-4D66-B4F7-651776F62256}"/>
+              </a:ext>
+            </a:extLst>
+          </p:cNvPr>
+          <p:cNvSpPr>
+            <a:spLocks noGrp="1"/>
+          </p:cNvSpPr>
+          <p:nvPr>
+            <p:ph idx="1"/>
+          </p:nvPr>
+        </p:nvSpPr>
+        <p:spPr>
+          <a:xfrm>
+            <a:off x="1088501" y="2293040"/>
+            <a:ext cx="22047724" cy="9467850"/>
+          </a:xfrm>
+        </p:spPr>
+        <p:txBody>
+          <a:bodyPr/>
+          <a:lstStyle/>
+          <a:p>
+            <a:pPr fontAlgn="ctr"/>
+            <a:r>
+              <a:rPr lang="en-US" dirty="0">
+                <a:latin typeface="Calibri" panose="020F0502020204030204" pitchFamily="34" charset="0"/>
+                <a:cs typeface="Calibri" panose="020F0502020204030204" pitchFamily="34" charset="0"/>
+              </a:rPr>
+              <a:t>Problem Description</a:t>
+            </a:r>
+          </a:p>
+          <a:p>
+            <a:pPr fontAlgn="ctr"/>
+            <a:r>
+              <a:rPr lang="en-US" dirty="0">
+                <a:latin typeface="Calibri" panose="020F0502020204030204" pitchFamily="34" charset="0"/>
+                <a:cs typeface="Calibri" panose="020F0502020204030204" pitchFamily="34" charset="0"/>
+              </a:rPr>
+              <a:t>Proposed Solution</a:t>
+            </a:r>
+          </a:p>
+          <a:p>
+            <a:pPr fontAlgn="ctr"/>
+            <a:r>
+              <a:rPr lang="en-US" dirty="0">
+                <a:latin typeface="Calibri" panose="020F0502020204030204" pitchFamily="34" charset="0"/>
+                <a:cs typeface="Calibri" panose="020F0502020204030204" pitchFamily="34" charset="0"/>
+              </a:rPr>
+              <a:t>Naive Bayes and NLTK Sentimental Analyzer</a:t>
+            </a:r>
+          </a:p>
+          <a:p>
+            <a:r>
+              <a:rPr lang="en-US" dirty="0">
+                <a:latin typeface="Calibri" panose="020F0502020204030204" pitchFamily="34" charset="0"/>
+                <a:cs typeface="Calibri" panose="020F0502020204030204" pitchFamily="34" charset="0"/>
+              </a:rPr>
+              <a:t>Bag of Words (BOW)</a:t>
+            </a:r>
+          </a:p>
+          <a:p>
+            <a:r>
+              <a:rPr lang="en-US" dirty="0">
+                <a:latin typeface="Calibri" panose="020F0502020204030204" pitchFamily="34" charset="0"/>
+                <a:cs typeface="Calibri" panose="020F0502020204030204" pitchFamily="34" charset="0"/>
+              </a:rPr>
+              <a:t>Term Frequency – Inverse Document Frequency (TFIDF)</a:t>
+            </a:r>
+          </a:p>
+          <a:p>
+            <a:r>
+              <a:rPr lang="en-US" dirty="0">
+                <a:latin typeface="Calibri" panose="020F0502020204030204" pitchFamily="34" charset="0"/>
+                <a:cs typeface="Calibri" panose="020F0502020204030204" pitchFamily="34" charset="0"/>
+              </a:rPr>
+              <a:t>Conclusion</a:t>
+            </a:r>
+          </a:p>
+          <a:p>
+            <a:r>
+              <a:rPr lang="en-US" dirty="0">
+                <a:latin typeface="Calibri" panose="020F0502020204030204" pitchFamily="34" charset="0"/>
+                <a:cs typeface="Calibri" panose="020F0502020204030204" pitchFamily="34" charset="0"/>
+              </a:rPr>
+              <a:t>Technical Stack</a:t>
+            </a:r>
+          </a:p>
+          <a:p>
+            <a:pPr marL="0" indent="0">
+              <a:buNone/>
+            </a:pPr>
+            <a:endParaRPr lang="en-US" dirty="0"/>
+          </a:p>
+          <a:p>
+            <a:pPr marL="0" indent="0">
+              <a:buNone/>
+            </a:pPr>
+            <a:r>
+              <a:rPr lang="en-US" dirty="0"/>
+              <a:t>	</a:t>
+            </a:r>
+          </a:p>
+        </p:txBody>
+      </p:sp>
+      <p:cxnSp>
+        <p:nvCxnSpPr>
+          <p:cNvPr id="5" name="Straight Connector 4">
+            <a:extLst>
+              <a:ext uri="{FF2B5EF4-FFF2-40B4-BE49-F238E27FC236}">
+                <a16:creationId xmlns:a16="http://schemas.microsoft.com/office/drawing/2014/main" id="{5C8322C7-6B22-46F9-9F6D-BC9298D5DB5C}"/>
+              </a:ext>
+            </a:extLst>
+          </p:cNvPr>
+          <p:cNvCxnSpPr>
+            <a:cxnSpLocks/>
+          </p:cNvCxnSpPr>
+          <p:nvPr/>
+        </p:nvCxnSpPr>
+        <p:spPr>
+          <a:xfrm>
+            <a:off x="1088501" y="1789889"/>
+            <a:ext cx="22471890" cy="0"/>
+          </a:xfrm>
+          <a:prstGeom prst="line">
+            <a:avLst/>
+          </a:prstGeom>
+          <a:ln>
+            <a:tailEnd type="none"/>
+          </a:ln>
+        </p:spPr>
+        <p:style>
+          <a:lnRef idx="1">
+            <a:schemeClr val="dk1"/>
+          </a:lnRef>
+          <a:fillRef idx="0">
+            <a:schemeClr val="dk1"/>
+          </a:fillRef>
+          <a:effectRef idx="0">
+            <a:schemeClr val="dk1"/>
+          </a:effectRef>
+          <a:fontRef idx="minor">
+            <a:schemeClr val="tx1"/>
+          </a:fontRef>
+        </p:style>
+      </p:cxnSp>
+    </p:spTree>
+    <p:extLst>
+      <p:ext uri="{BB962C8B-B14F-4D97-AF65-F5344CB8AC3E}">
+        <p14:creationId xmlns:p14="http://schemas.microsoft.com/office/powerpoint/2010/main" val="3027252274"/>
+      </p:ext>
+    </p:extLst>
+  </p:cSld>
+  <p:clrMapOvr>
+    <a:masterClrMapping/>
+  </p:clrMapOvr>
+</p:sld>
+</file>
+
+<file path=ppt/slides/slide3.xml><?xml version="1.0" encoding="utf-8"?>
+<p:sld xmlns:a="http://schemas.openxmlformats.org/drawingml/2006/main" xmlns:r="http://schemas.openxmlformats.org/officeDocument/2006/relationships" xmlns:p="http://schemas.openxmlformats.org/presentationml/2006/main">
+  <p:cSld>
+    <p:spTree>
+      <p:nvGrpSpPr>
+        <p:cNvPr id="1" name=""/>
+        <p:cNvGrpSpPr/>
+        <p:nvPr/>
+      </p:nvGrpSpPr>
+      <p:grpSpPr>
+        <a:xfrm>
+          <a:off x="0" y="0"/>
+          <a:ext cx="0" cy="0"/>
+          <a:chOff x="0" y="0"/>
+          <a:chExt cx="0" cy="0"/>
+        </a:xfrm>
+      </p:grpSpPr>
+      <p:sp>
+        <p:nvSpPr>
+          <p:cNvPr id="2" name="Title 1">
+            <a:extLst>
+              <a:ext uri="{FF2B5EF4-FFF2-40B4-BE49-F238E27FC236}">
+                <a16:creationId xmlns:a16="http://schemas.microsoft.com/office/drawing/2014/main" id="{64FB653E-7B74-4D2F-AE15-C212B7060064}"/>
+              </a:ext>
+            </a:extLst>
+          </p:cNvPr>
+          <p:cNvSpPr>
+            <a:spLocks noGrp="1"/>
+          </p:cNvSpPr>
+          <p:nvPr>
+            <p:ph type="title"/>
+          </p:nvPr>
+        </p:nvSpPr>
+        <p:spPr>
+          <a:xfrm>
+            <a:off x="1115569" y="211445"/>
+            <a:ext cx="22020656" cy="1945408"/>
+          </a:xfrm>
+        </p:spPr>
+        <p:txBody>
+          <a:bodyPr/>
+          <a:lstStyle/>
+          <a:p>
+            <a:r>
+              <a:rPr lang="en-US" dirty="0">
+                <a:latin typeface="Calibri" panose="020F0502020204030204" pitchFamily="34" charset="0"/>
+                <a:cs typeface="Calibri" panose="020F0502020204030204" pitchFamily="34" charset="0"/>
+              </a:rPr>
+              <a:t>Problem Description</a:t>
+            </a:r>
+          </a:p>
+        </p:txBody>
+      </p:sp>
+      <p:sp>
+        <p:nvSpPr>
+          <p:cNvPr id="3" name="Content Placeholder 2">
+            <a:extLst>
+              <a:ext uri="{FF2B5EF4-FFF2-40B4-BE49-F238E27FC236}">
+                <a16:creationId xmlns:a16="http://schemas.microsoft.com/office/drawing/2014/main" id="{FACE6C9A-CDD7-4D66-B4F7-651776F62256}"/>
+              </a:ext>
+            </a:extLst>
+          </p:cNvPr>
+          <p:cNvSpPr>
+            <a:spLocks noGrp="1"/>
+          </p:cNvSpPr>
+          <p:nvPr>
+            <p:ph idx="1"/>
+          </p:nvPr>
+        </p:nvSpPr>
+        <p:spPr>
+          <a:xfrm>
+            <a:off x="1088501" y="2293040"/>
+            <a:ext cx="22047724" cy="9467850"/>
+          </a:xfrm>
+        </p:spPr>
+        <p:txBody>
+          <a:bodyPr/>
+          <a:lstStyle/>
+          <a:p>
+            <a:pPr>
+              <a:buFont typeface="Wingdings" panose="05000000000000000000" pitchFamily="2" charset="2"/>
+              <a:buChar char="ü"/>
+            </a:pPr>
+            <a:r>
+              <a:rPr lang="en-US" dirty="0">
+                <a:latin typeface="Calibri" panose="020F0502020204030204" pitchFamily="34" charset="0"/>
+                <a:cs typeface="Calibri" panose="020F0502020204030204" pitchFamily="34" charset="0"/>
+              </a:rPr>
+              <a:t>Depression causes severe health problems</a:t>
+            </a:r>
+          </a:p>
+          <a:p>
+            <a:pPr>
+              <a:buFont typeface="Wingdings" panose="05000000000000000000" pitchFamily="2" charset="2"/>
+              <a:buChar char="ü"/>
+            </a:pPr>
+            <a:r>
+              <a:rPr lang="en-US" dirty="0">
+                <a:latin typeface="Calibri" panose="020F0502020204030204" pitchFamily="34" charset="0"/>
+                <a:cs typeface="Calibri" panose="020F0502020204030204" pitchFamily="34" charset="0"/>
+              </a:rPr>
+              <a:t>People suffering from depression rarely take any assistance</a:t>
+            </a:r>
+          </a:p>
+          <a:p>
+            <a:pPr marL="0" indent="0">
+              <a:buNone/>
+            </a:pPr>
+            <a:endParaRPr lang="en-US" dirty="0"/>
+          </a:p>
+        </p:txBody>
+      </p:sp>
+      <p:cxnSp>
+        <p:nvCxnSpPr>
+          <p:cNvPr id="5" name="Straight Connector 4">
+            <a:extLst>
+              <a:ext uri="{FF2B5EF4-FFF2-40B4-BE49-F238E27FC236}">
+                <a16:creationId xmlns:a16="http://schemas.microsoft.com/office/drawing/2014/main" id="{5C8322C7-6B22-46F9-9F6D-BC9298D5DB5C}"/>
+              </a:ext>
+            </a:extLst>
+          </p:cNvPr>
+          <p:cNvCxnSpPr>
+            <a:cxnSpLocks/>
+          </p:cNvCxnSpPr>
+          <p:nvPr/>
+        </p:nvCxnSpPr>
+        <p:spPr>
+          <a:xfrm>
+            <a:off x="1088501" y="1789889"/>
+            <a:ext cx="22471890" cy="0"/>
+          </a:xfrm>
+          <a:prstGeom prst="line">
+            <a:avLst/>
+          </a:prstGeom>
+          <a:ln>
+            <a:tailEnd type="none"/>
+          </a:ln>
+        </p:spPr>
+        <p:style>
+          <a:lnRef idx="1">
+            <a:schemeClr val="dk1"/>
+          </a:lnRef>
+          <a:fillRef idx="0">
+            <a:schemeClr val="dk1"/>
+          </a:fillRef>
+          <a:effectRef idx="0">
+            <a:schemeClr val="dk1"/>
+          </a:effectRef>
+          <a:fontRef idx="minor">
+            <a:schemeClr val="tx1"/>
+          </a:fontRef>
+        </p:style>
+      </p:cxnSp>
+    </p:spTree>
+    <p:extLst>
+      <p:ext uri="{BB962C8B-B14F-4D97-AF65-F5344CB8AC3E}">
+        <p14:creationId xmlns:p14="http://schemas.microsoft.com/office/powerpoint/2010/main" val="2465125234"/>
+      </p:ext>
+    </p:extLst>
+  </p:cSld>
+  <p:clrMapOvr>
+    <a:masterClrMapping/>
+  </p:clrMapOvr>
+</p:sld>
+</file>
+
+<file path=ppt/slides/slide4.xml><?xml version="1.0" encoding="utf-8"?>
+<p:sld xmlns:a="http://schemas.openxmlformats.org/drawingml/2006/main" xmlns:r="http://schemas.openxmlformats.org/officeDocument/2006/relationships" xmlns:p="http://schemas.openxmlformats.org/presentationml/2006/main">
+  <p:cSld>
+    <p:spTree>
+      <p:nvGrpSpPr>
+        <p:cNvPr id="1" name=""/>
+        <p:cNvGrpSpPr/>
+        <p:nvPr/>
+      </p:nvGrpSpPr>
+      <p:grpSpPr>
+        <a:xfrm>
+          <a:off x="0" y="0"/>
+          <a:ext cx="0" cy="0"/>
+          <a:chOff x="0" y="0"/>
+          <a:chExt cx="0" cy="0"/>
+        </a:xfrm>
+      </p:grpSpPr>
+      <p:sp>
+        <p:nvSpPr>
+          <p:cNvPr id="2" name="Title 1">
+            <a:extLst>
+              <a:ext uri="{FF2B5EF4-FFF2-40B4-BE49-F238E27FC236}">
+                <a16:creationId xmlns:a16="http://schemas.microsoft.com/office/drawing/2014/main" id="{64FB653E-7B74-4D2F-AE15-C212B7060064}"/>
+              </a:ext>
+            </a:extLst>
+          </p:cNvPr>
+          <p:cNvSpPr>
+            <a:spLocks noGrp="1"/>
+          </p:cNvSpPr>
+          <p:nvPr>
+            <p:ph type="title"/>
+          </p:nvPr>
+        </p:nvSpPr>
+        <p:spPr>
+          <a:xfrm>
+            <a:off x="1115569" y="211445"/>
+            <a:ext cx="22020656" cy="1945408"/>
+          </a:xfrm>
+        </p:spPr>
+        <p:txBody>
+          <a:bodyPr/>
+          <a:lstStyle/>
+          <a:p>
+            <a:r>
+              <a:rPr lang="en-US" dirty="0">
+                <a:latin typeface="Calibri" panose="020F0502020204030204" pitchFamily="34" charset="0"/>
+                <a:cs typeface="Calibri" panose="020F0502020204030204" pitchFamily="34" charset="0"/>
+              </a:rPr>
+              <a:t>Proposed Solution</a:t>
+            </a:r>
+          </a:p>
+        </p:txBody>
+      </p:sp>
+      <p:sp>
+        <p:nvSpPr>
+          <p:cNvPr id="3" name="Content Placeholder 2">
+            <a:extLst>
+              <a:ext uri="{FF2B5EF4-FFF2-40B4-BE49-F238E27FC236}">
+                <a16:creationId xmlns:a16="http://schemas.microsoft.com/office/drawing/2014/main" id="{FACE6C9A-CDD7-4D66-B4F7-651776F62256}"/>
+              </a:ext>
+            </a:extLst>
+          </p:cNvPr>
+          <p:cNvSpPr>
+            <a:spLocks noGrp="1"/>
+          </p:cNvSpPr>
+          <p:nvPr>
+            <p:ph idx="1"/>
+          </p:nvPr>
+        </p:nvSpPr>
+        <p:spPr>
+          <a:xfrm>
+            <a:off x="1088501" y="2293040"/>
+            <a:ext cx="22047724" cy="9467850"/>
+          </a:xfrm>
+        </p:spPr>
+        <p:txBody>
+          <a:bodyPr/>
+          <a:lstStyle/>
+          <a:p>
+            <a:pPr>
+              <a:buFont typeface="Wingdings" panose="05000000000000000000" pitchFamily="2" charset="2"/>
+              <a:buChar char="ü"/>
+            </a:pPr>
+            <a:r>
+              <a:rPr lang="en-US" dirty="0">
+                <a:latin typeface="Calibri" panose="020F0502020204030204" pitchFamily="34" charset="0"/>
+                <a:cs typeface="Calibri" panose="020F0502020204030204" pitchFamily="34" charset="0"/>
+              </a:rPr>
+              <a:t>Identifies the model to predict depression using Naïve Bayes classification and NLTK Sentimental Analyzer</a:t>
+            </a:r>
+          </a:p>
+          <a:p>
+            <a:pPr>
+              <a:buFont typeface="Wingdings" panose="05000000000000000000" pitchFamily="2" charset="2"/>
+              <a:buChar char="ü"/>
+            </a:pPr>
+            <a:r>
+              <a:rPr lang="en-US" dirty="0">
+                <a:latin typeface="Calibri" panose="020F0502020204030204" pitchFamily="34" charset="0"/>
+                <a:cs typeface="Calibri" panose="020F0502020204030204" pitchFamily="34" charset="0"/>
+              </a:rPr>
+              <a:t>Sends notifications to at most 3 close friends using Android Push Notification library</a:t>
+            </a:r>
+          </a:p>
+          <a:p>
+            <a:pPr>
+              <a:buFont typeface="Wingdings" panose="05000000000000000000" pitchFamily="2" charset="2"/>
+              <a:buChar char="ü"/>
+            </a:pPr>
+            <a:r>
+              <a:rPr lang="en-US" dirty="0">
+                <a:latin typeface="Calibri" panose="020F0502020204030204" pitchFamily="34" charset="0"/>
+                <a:cs typeface="Calibri" panose="020F0502020204030204" pitchFamily="34" charset="0"/>
+              </a:rPr>
+              <a:t> Recommends motivational posts and videos</a:t>
+            </a:r>
+          </a:p>
+          <a:p>
+            <a:endParaRPr lang="en-US" dirty="0">
+              <a:latin typeface="Calibri" panose="020F0502020204030204" pitchFamily="34" charset="0"/>
+              <a:cs typeface="Calibri" panose="020F0502020204030204" pitchFamily="34" charset="0"/>
+            </a:endParaRPr>
+          </a:p>
+        </p:txBody>
+      </p:sp>
+      <p:cxnSp>
+        <p:nvCxnSpPr>
+          <p:cNvPr id="5" name="Straight Connector 4">
+            <a:extLst>
+              <a:ext uri="{FF2B5EF4-FFF2-40B4-BE49-F238E27FC236}">
+                <a16:creationId xmlns:a16="http://schemas.microsoft.com/office/drawing/2014/main" id="{5C8322C7-6B22-46F9-9F6D-BC9298D5DB5C}"/>
+              </a:ext>
+            </a:extLst>
+          </p:cNvPr>
+          <p:cNvCxnSpPr>
+            <a:cxnSpLocks/>
+          </p:cNvCxnSpPr>
+          <p:nvPr/>
+        </p:nvCxnSpPr>
+        <p:spPr>
+          <a:xfrm>
+            <a:off x="1088501" y="1789889"/>
+            <a:ext cx="22471890" cy="0"/>
+          </a:xfrm>
+          <a:prstGeom prst="line">
+            <a:avLst/>
+          </a:prstGeom>
+          <a:ln>
+            <a:tailEnd type="none"/>
+          </a:ln>
+        </p:spPr>
+        <p:style>
+          <a:lnRef idx="1">
+            <a:schemeClr val="dk1"/>
+          </a:lnRef>
+          <a:fillRef idx="0">
+            <a:schemeClr val="dk1"/>
+          </a:fillRef>
+          <a:effectRef idx="0">
+            <a:schemeClr val="dk1"/>
+          </a:effectRef>
+          <a:fontRef idx="minor">
+            <a:schemeClr val="tx1"/>
+          </a:fontRef>
+        </p:style>
+      </p:cxnSp>
+    </p:spTree>
+    <p:extLst>
+      <p:ext uri="{BB962C8B-B14F-4D97-AF65-F5344CB8AC3E}">
+        <p14:creationId xmlns:p14="http://schemas.microsoft.com/office/powerpoint/2010/main" val="2291826038"/>
+      </p:ext>
+    </p:extLst>
+  </p:cSld>
+  <p:clrMapOvr>
+    <a:masterClrMapping/>
+  </p:clrMapOvr>
+</p:sld>
+</file>
+
+<file path=ppt/slides/slide5.xml><?xml version="1.0" encoding="utf-8"?>
+<p:sld xmlns:a="http://schemas.openxmlformats.org/drawingml/2006/main" xmlns:r="http://schemas.openxmlformats.org/officeDocument/2006/relationships" xmlns:p="http://schemas.openxmlformats.org/presentationml/2006/main">
+  <p:cSld>
+    <p:spTree>
+      <p:nvGrpSpPr>
+        <p:cNvPr id="1" name=""/>
+        <p:cNvGrpSpPr/>
+        <p:nvPr/>
+      </p:nvGrpSpPr>
+      <p:grpSpPr>
+        <a:xfrm>
+          <a:off x="0" y="0"/>
+          <a:ext cx="0" cy="0"/>
+          <a:chOff x="0" y="0"/>
+          <a:chExt cx="0" cy="0"/>
+        </a:xfrm>
+      </p:grpSpPr>
+      <p:sp>
+        <p:nvSpPr>
+          <p:cNvPr id="2" name="Title 1">
+            <a:extLst>
+              <a:ext uri="{FF2B5EF4-FFF2-40B4-BE49-F238E27FC236}">
+                <a16:creationId xmlns:a16="http://schemas.microsoft.com/office/drawing/2014/main" id="{64FB653E-7B74-4D2F-AE15-C212B7060064}"/>
+              </a:ext>
+            </a:extLst>
+          </p:cNvPr>
+          <p:cNvSpPr>
+            <a:spLocks noGrp="1"/>
+          </p:cNvSpPr>
+          <p:nvPr>
+            <p:ph type="title"/>
+          </p:nvPr>
+        </p:nvSpPr>
+        <p:spPr>
+          <a:xfrm>
+            <a:off x="1115569" y="211445"/>
+            <a:ext cx="22020656" cy="1945408"/>
+          </a:xfrm>
+        </p:spPr>
+        <p:txBody>
+          <a:bodyPr/>
+          <a:lstStyle/>
+          <a:p>
+            <a:r>
+              <a:rPr lang="en-US" dirty="0">
+                <a:latin typeface="Calibri" panose="020F0502020204030204" pitchFamily="34" charset="0"/>
+                <a:cs typeface="Calibri" panose="020F0502020204030204" pitchFamily="34" charset="0"/>
+              </a:rPr>
+              <a:t>Naïve Bayes and NLTK Sentimental Analyzer</a:t>
+            </a:r>
+          </a:p>
+        </p:txBody>
+      </p:sp>
+      <p:sp>
+        <p:nvSpPr>
+          <p:cNvPr id="3" name="Content Placeholder 2">
+            <a:extLst>
+              <a:ext uri="{FF2B5EF4-FFF2-40B4-BE49-F238E27FC236}">
+                <a16:creationId xmlns:a16="http://schemas.microsoft.com/office/drawing/2014/main" id="{FACE6C9A-CDD7-4D66-B4F7-651776F62256}"/>
+              </a:ext>
+            </a:extLst>
+          </p:cNvPr>
+          <p:cNvSpPr>
+            <a:spLocks noGrp="1"/>
+          </p:cNvSpPr>
+          <p:nvPr>
+            <p:ph idx="1"/>
+          </p:nvPr>
+        </p:nvSpPr>
+        <p:spPr>
+          <a:xfrm>
+            <a:off x="1088501" y="2293040"/>
+            <a:ext cx="22047724" cy="9467850"/>
+          </a:xfrm>
+        </p:spPr>
+        <p:txBody>
+          <a:bodyPr/>
+          <a:lstStyle/>
+          <a:p>
+            <a:endParaRPr lang="en-US" dirty="0">
+              <a:latin typeface="Calibri" panose="020F0502020204030204" pitchFamily="34" charset="0"/>
+              <a:cs typeface="Calibri" panose="020F0502020204030204" pitchFamily="34" charset="0"/>
+            </a:endParaRPr>
+          </a:p>
+        </p:txBody>
+      </p:sp>
+      <p:cxnSp>
+        <p:nvCxnSpPr>
+          <p:cNvPr id="5" name="Straight Connector 4">
+            <a:extLst>
+              <a:ext uri="{FF2B5EF4-FFF2-40B4-BE49-F238E27FC236}">
+                <a16:creationId xmlns:a16="http://schemas.microsoft.com/office/drawing/2014/main" id="{5C8322C7-6B22-46F9-9F6D-BC9298D5DB5C}"/>
+              </a:ext>
+            </a:extLst>
+          </p:cNvPr>
+          <p:cNvCxnSpPr>
+            <a:cxnSpLocks/>
+          </p:cNvCxnSpPr>
+          <p:nvPr/>
+        </p:nvCxnSpPr>
+        <p:spPr>
+          <a:xfrm>
+            <a:off x="1088501" y="1789889"/>
+            <a:ext cx="22471890" cy="0"/>
+          </a:xfrm>
+          <a:prstGeom prst="line">
+            <a:avLst/>
+          </a:prstGeom>
+          <a:ln>
+            <a:tailEnd type="none"/>
+          </a:ln>
+        </p:spPr>
+        <p:style>
+          <a:lnRef idx="1">
+            <a:schemeClr val="dk1"/>
+          </a:lnRef>
+          <a:fillRef idx="0">
+            <a:schemeClr val="dk1"/>
+          </a:fillRef>
+          <a:effectRef idx="0">
+            <a:schemeClr val="dk1"/>
+          </a:effectRef>
+          <a:fontRef idx="minor">
+            <a:schemeClr val="tx1"/>
+          </a:fontRef>
+        </p:style>
+      </p:cxnSp>
+    </p:spTree>
+    <p:extLst>
+      <p:ext uri="{BB962C8B-B14F-4D97-AF65-F5344CB8AC3E}">
+        <p14:creationId xmlns:p14="http://schemas.microsoft.com/office/powerpoint/2010/main" val="3672587379"/>
+      </p:ext>
+    </p:extLst>
+  </p:cSld>
+  <p:clrMapOvr>
+    <a:masterClrMapping/>
+  </p:clrMapOvr>
+</p:sld>
+</file>
+
+<file path=ppt/slides/slide6.xml><?xml version="1.0" encoding="utf-8"?>
+<p:sld xmlns:a="http://schemas.openxmlformats.org/drawingml/2006/main" xmlns:r="http://schemas.openxmlformats.org/officeDocument/2006/relationships" xmlns:p="http://schemas.openxmlformats.org/presentationml/2006/main">
+  <p:cSld>
+    <p:spTree>
+      <p:nvGrpSpPr>
+        <p:cNvPr id="1" name=""/>
+        <p:cNvGrpSpPr/>
+        <p:nvPr/>
+      </p:nvGrpSpPr>
+      <p:grpSpPr>
+        <a:xfrm>
+          <a:off x="0" y="0"/>
+          <a:ext cx="0" cy="0"/>
+          <a:chOff x="0" y="0"/>
+          <a:chExt cx="0" cy="0"/>
+        </a:xfrm>
+      </p:grpSpPr>
+      <p:sp>
+        <p:nvSpPr>
+          <p:cNvPr id="2" name="Title 1">
+            <a:extLst>
+              <a:ext uri="{FF2B5EF4-FFF2-40B4-BE49-F238E27FC236}">
+                <a16:creationId xmlns:a16="http://schemas.microsoft.com/office/drawing/2014/main" id="{64FB653E-7B74-4D2F-AE15-C212B7060064}"/>
+              </a:ext>
+            </a:extLst>
+          </p:cNvPr>
+          <p:cNvSpPr>
+            <a:spLocks noGrp="1"/>
+          </p:cNvSpPr>
+          <p:nvPr>
+            <p:ph type="title"/>
+          </p:nvPr>
+        </p:nvSpPr>
+        <p:spPr>
+          <a:xfrm>
+            <a:off x="1115569" y="211445"/>
+            <a:ext cx="22020656" cy="1945408"/>
+          </a:xfrm>
+        </p:spPr>
+        <p:txBody>
+          <a:bodyPr/>
+          <a:lstStyle/>
+          <a:p>
+            <a:r>
+              <a:rPr lang="en-US" dirty="0">
+                <a:latin typeface="Calibri" panose="020F0502020204030204" pitchFamily="34" charset="0"/>
+                <a:cs typeface="Calibri" panose="020F0502020204030204" pitchFamily="34" charset="0"/>
+              </a:rPr>
+              <a:t>Bag of Words (BOW)</a:t>
+            </a:r>
+          </a:p>
+        </p:txBody>
+      </p:sp>
+      <p:sp>
+        <p:nvSpPr>
+          <p:cNvPr id="3" name="Content Placeholder 2">
+            <a:extLst>
+              <a:ext uri="{FF2B5EF4-FFF2-40B4-BE49-F238E27FC236}">
+                <a16:creationId xmlns:a16="http://schemas.microsoft.com/office/drawing/2014/main" id="{FACE6C9A-CDD7-4D66-B4F7-651776F62256}"/>
+              </a:ext>
+            </a:extLst>
+          </p:cNvPr>
+          <p:cNvSpPr>
+            <a:spLocks noGrp="1"/>
+          </p:cNvSpPr>
+          <p:nvPr>
+            <p:ph idx="1"/>
+          </p:nvPr>
+        </p:nvSpPr>
+        <p:spPr>
+          <a:xfrm>
+            <a:off x="1088501" y="2293040"/>
+            <a:ext cx="22047724" cy="9467850"/>
+          </a:xfrm>
+        </p:spPr>
+        <p:txBody>
+          <a:bodyPr/>
+          <a:lstStyle/>
+          <a:p>
+            <a:r>
+              <a:rPr lang="en-US" dirty="0">
+                <a:latin typeface="Calibri" panose="020F0502020204030204" pitchFamily="34" charset="0"/>
+                <a:cs typeface="Calibri" panose="020F0502020204030204" pitchFamily="34" charset="0"/>
+              </a:rPr>
+              <a:t>9</a:t>
+            </a:r>
+          </a:p>
+        </p:txBody>
+      </p:sp>
+      <p:cxnSp>
+        <p:nvCxnSpPr>
+          <p:cNvPr id="5" name="Straight Connector 4">
+            <a:extLst>
+              <a:ext uri="{FF2B5EF4-FFF2-40B4-BE49-F238E27FC236}">
+                <a16:creationId xmlns:a16="http://schemas.microsoft.com/office/drawing/2014/main" id="{5C8322C7-6B22-46F9-9F6D-BC9298D5DB5C}"/>
+              </a:ext>
+            </a:extLst>
+          </p:cNvPr>
+          <p:cNvCxnSpPr>
+            <a:cxnSpLocks/>
+          </p:cNvCxnSpPr>
+          <p:nvPr/>
+        </p:nvCxnSpPr>
+        <p:spPr>
+          <a:xfrm>
+            <a:off x="1088501" y="1789889"/>
+            <a:ext cx="22471890" cy="0"/>
+          </a:xfrm>
+          <a:prstGeom prst="line">
+            <a:avLst/>
+          </a:prstGeom>
+          <a:ln>
+            <a:tailEnd type="none"/>
+          </a:ln>
+        </p:spPr>
+        <p:style>
+          <a:lnRef idx="1">
+            <a:schemeClr val="dk1"/>
+          </a:lnRef>
+          <a:fillRef idx="0">
+            <a:schemeClr val="dk1"/>
+          </a:fillRef>
+          <a:effectRef idx="0">
+            <a:schemeClr val="dk1"/>
+          </a:effectRef>
+          <a:fontRef idx="minor">
+            <a:schemeClr val="tx1"/>
+          </a:fontRef>
+        </p:style>
+      </p:cxnSp>
+    </p:spTree>
+    <p:extLst>
+      <p:ext uri="{BB962C8B-B14F-4D97-AF65-F5344CB8AC3E}">
+        <p14:creationId xmlns:p14="http://schemas.microsoft.com/office/powerpoint/2010/main" val="2097566895"/>
+      </p:ext>
+    </p:extLst>
+  </p:cSld>
+  <p:clrMapOvr>
+    <a:masterClrMapping/>
+  </p:clrMapOvr>
+</p:sld>
+</file>
+
+<file path=ppt/slides/slide7.xml><?xml version="1.0" encoding="utf-8"?>
+<p:sld xmlns:a="http://schemas.openxmlformats.org/drawingml/2006/main" xmlns:r="http://schemas.openxmlformats.org/officeDocument/2006/relationships" xmlns:p="http://schemas.openxmlformats.org/presentationml/2006/main">
+  <p:cSld>
+    <p:spTree>
+      <p:nvGrpSpPr>
+        <p:cNvPr id="1" name=""/>
+        <p:cNvGrpSpPr/>
+        <p:nvPr/>
+      </p:nvGrpSpPr>
+      <p:grpSpPr>
+        <a:xfrm>
+          <a:off x="0" y="0"/>
+          <a:ext cx="0" cy="0"/>
+          <a:chOff x="0" y="0"/>
+          <a:chExt cx="0" cy="0"/>
+        </a:xfrm>
+      </p:grpSpPr>
+      <p:sp>
+        <p:nvSpPr>
+          <p:cNvPr id="2" name="Title 1">
+            <a:extLst>
+              <a:ext uri="{FF2B5EF4-FFF2-40B4-BE49-F238E27FC236}">
+                <a16:creationId xmlns:a16="http://schemas.microsoft.com/office/drawing/2014/main" id="{64FB653E-7B74-4D2F-AE15-C212B7060064}"/>
+              </a:ext>
+            </a:extLst>
+          </p:cNvPr>
+          <p:cNvSpPr>
+            <a:spLocks noGrp="1"/>
+          </p:cNvSpPr>
+          <p:nvPr>
+            <p:ph type="title"/>
+          </p:nvPr>
+        </p:nvSpPr>
+        <p:spPr>
+          <a:xfrm>
+            <a:off x="1115569" y="211445"/>
+            <a:ext cx="22020656" cy="1945408"/>
+          </a:xfrm>
+        </p:spPr>
+        <p:txBody>
+          <a:bodyPr/>
+          <a:lstStyle/>
+          <a:p>
+            <a:r>
+              <a:rPr lang="en-US" dirty="0">
+                <a:latin typeface="Calibri" panose="020F0502020204030204" pitchFamily="34" charset="0"/>
+                <a:cs typeface="Calibri" panose="020F0502020204030204" pitchFamily="34" charset="0"/>
+              </a:rPr>
+              <a:t>Term Frequency – Inverse Document Frequency (TFIDF)</a:t>
+            </a:r>
+          </a:p>
+        </p:txBody>
+      </p:sp>
+      <p:sp>
+        <p:nvSpPr>
+          <p:cNvPr id="3" name="Content Placeholder 2">
+            <a:extLst>
+              <a:ext uri="{FF2B5EF4-FFF2-40B4-BE49-F238E27FC236}">
+                <a16:creationId xmlns:a16="http://schemas.microsoft.com/office/drawing/2014/main" id="{FACE6C9A-CDD7-4D66-B4F7-651776F62256}"/>
+              </a:ext>
+            </a:extLst>
+          </p:cNvPr>
+          <p:cNvSpPr>
+            <a:spLocks noGrp="1"/>
+          </p:cNvSpPr>
+          <p:nvPr>
+            <p:ph idx="1"/>
+          </p:nvPr>
+        </p:nvSpPr>
+        <p:spPr>
+          <a:xfrm>
+            <a:off x="1088501" y="2293040"/>
+            <a:ext cx="22047724" cy="9467850"/>
+          </a:xfrm>
+        </p:spPr>
+        <p:txBody>
+          <a:bodyPr/>
+          <a:lstStyle/>
+          <a:p>
+            <a:r>
+              <a:rPr lang="en-US" dirty="0">
+                <a:latin typeface="Calibri" panose="020F0502020204030204" pitchFamily="34" charset="0"/>
+                <a:cs typeface="Calibri" panose="020F0502020204030204" pitchFamily="34" charset="0"/>
+              </a:rPr>
+              <a:t>9</a:t>
+            </a:r>
+          </a:p>
+        </p:txBody>
+      </p:sp>
+      <p:cxnSp>
+        <p:nvCxnSpPr>
+          <p:cNvPr id="5" name="Straight Connector 4">
+            <a:extLst>
+              <a:ext uri="{FF2B5EF4-FFF2-40B4-BE49-F238E27FC236}">
+                <a16:creationId xmlns:a16="http://schemas.microsoft.com/office/drawing/2014/main" id="{5C8322C7-6B22-46F9-9F6D-BC9298D5DB5C}"/>
+              </a:ext>
+            </a:extLst>
+          </p:cNvPr>
+          <p:cNvCxnSpPr>
+            <a:cxnSpLocks/>
+          </p:cNvCxnSpPr>
+          <p:nvPr/>
+        </p:nvCxnSpPr>
+        <p:spPr>
+          <a:xfrm>
+            <a:off x="1088501" y="1789889"/>
+            <a:ext cx="22471890" cy="0"/>
+          </a:xfrm>
+          <a:prstGeom prst="line">
+            <a:avLst/>
+          </a:prstGeom>
+          <a:ln>
+            <a:tailEnd type="none"/>
+          </a:ln>
+        </p:spPr>
+        <p:style>
+          <a:lnRef idx="1">
+            <a:schemeClr val="dk1"/>
+          </a:lnRef>
+          <a:fillRef idx="0">
+            <a:schemeClr val="dk1"/>
+          </a:fillRef>
+          <a:effectRef idx="0">
+            <a:schemeClr val="dk1"/>
+          </a:effectRef>
+          <a:fontRef idx="minor">
+            <a:schemeClr val="tx1"/>
+          </a:fontRef>
+        </p:style>
+      </p:cxnSp>
+    </p:spTree>
+    <p:extLst>
+      <p:ext uri="{BB962C8B-B14F-4D97-AF65-F5344CB8AC3E}">
+        <p14:creationId xmlns:p14="http://schemas.microsoft.com/office/powerpoint/2010/main" val="3296706269"/>
+      </p:ext>
+    </p:extLst>
+  </p:cSld>
+  <p:clrMapOvr>
+    <a:masterClrMapping/>
+  </p:clrMapOvr>
+</p:sld>
+</file>
+
+<file path=ppt/slides/slide8.xml><?xml version="1.0" encoding="utf-8"?>
+<p:sld xmlns:a="http://schemas.openxmlformats.org/drawingml/2006/main" xmlns:r="http://schemas.openxmlformats.org/officeDocument/2006/relationships" xmlns:p="http://schemas.openxmlformats.org/presentationml/2006/main">
+  <p:cSld>
+    <p:spTree>
+      <p:nvGrpSpPr>
+        <p:cNvPr id="1" name=""/>
+        <p:cNvGrpSpPr/>
+        <p:nvPr/>
+      </p:nvGrpSpPr>
+      <p:grpSpPr>
+        <a:xfrm>
+          <a:off x="0" y="0"/>
+          <a:ext cx="0" cy="0"/>
+          <a:chOff x="0" y="0"/>
+          <a:chExt cx="0" cy="0"/>
+        </a:xfrm>
+      </p:grpSpPr>
+      <p:sp>
+        <p:nvSpPr>
+          <p:cNvPr id="2" name="Title 1">
+            <a:extLst>
+              <a:ext uri="{FF2B5EF4-FFF2-40B4-BE49-F238E27FC236}">
+                <a16:creationId xmlns:a16="http://schemas.microsoft.com/office/drawing/2014/main" id="{64FB653E-7B74-4D2F-AE15-C212B7060064}"/>
+              </a:ext>
+            </a:extLst>
+          </p:cNvPr>
+          <p:cNvSpPr>
+            <a:spLocks noGrp="1"/>
+          </p:cNvSpPr>
+          <p:nvPr>
+            <p:ph type="title"/>
+          </p:nvPr>
+        </p:nvSpPr>
+        <p:spPr>
+          <a:xfrm>
+            <a:off x="1115569" y="211445"/>
+            <a:ext cx="22020656" cy="1945408"/>
+          </a:xfrm>
+        </p:spPr>
+        <p:txBody>
+          <a:bodyPr/>
+          <a:lstStyle/>
+          <a:p>
+            <a:r>
+              <a:rPr lang="en-US" dirty="0">
+                <a:latin typeface="Calibri" panose="020F0502020204030204" pitchFamily="34" charset="0"/>
+                <a:cs typeface="Calibri" panose="020F0502020204030204" pitchFamily="34" charset="0"/>
+              </a:rPr>
+              <a:t>Conclusion</a:t>
+            </a:r>
+          </a:p>
+        </p:txBody>
+      </p:sp>
+      <p:sp>
+        <p:nvSpPr>
+          <p:cNvPr id="3" name="Content Placeholder 2">
+            <a:extLst>
+              <a:ext uri="{FF2B5EF4-FFF2-40B4-BE49-F238E27FC236}">
+                <a16:creationId xmlns:a16="http://schemas.microsoft.com/office/drawing/2014/main" id="{FACE6C9A-CDD7-4D66-B4F7-651776F62256}"/>
+              </a:ext>
+            </a:extLst>
+          </p:cNvPr>
+          <p:cNvSpPr>
+            <a:spLocks noGrp="1"/>
+          </p:cNvSpPr>
+          <p:nvPr>
+            <p:ph idx="1"/>
+          </p:nvPr>
+        </p:nvSpPr>
+        <p:spPr>
+          <a:xfrm>
+            <a:off x="1088501" y="2293040"/>
+            <a:ext cx="22047724" cy="9467850"/>
+          </a:xfrm>
+        </p:spPr>
+        <p:txBody>
+          <a:bodyPr/>
+          <a:lstStyle/>
+          <a:p>
+            <a:r>
+              <a:rPr lang="en-US" dirty="0">
+                <a:latin typeface="Calibri" panose="020F0502020204030204" pitchFamily="34" charset="0"/>
+                <a:cs typeface="Calibri" panose="020F0502020204030204" pitchFamily="34" charset="0"/>
+              </a:rPr>
+              <a:t>9</a:t>
+            </a:r>
+          </a:p>
+        </p:txBody>
+      </p:sp>
+      <p:cxnSp>
+        <p:nvCxnSpPr>
+          <p:cNvPr id="5" name="Straight Connector 4">
+            <a:extLst>
+              <a:ext uri="{FF2B5EF4-FFF2-40B4-BE49-F238E27FC236}">
+                <a16:creationId xmlns:a16="http://schemas.microsoft.com/office/drawing/2014/main" id="{5C8322C7-6B22-46F9-9F6D-BC9298D5DB5C}"/>
+              </a:ext>
+            </a:extLst>
+          </p:cNvPr>
+          <p:cNvCxnSpPr>
+            <a:cxnSpLocks/>
+          </p:cNvCxnSpPr>
+          <p:nvPr/>
+        </p:nvCxnSpPr>
+        <p:spPr>
+          <a:xfrm>
+            <a:off x="1088501" y="1789889"/>
+            <a:ext cx="22471890" cy="0"/>
+          </a:xfrm>
+          <a:prstGeom prst="line">
+            <a:avLst/>
+          </a:prstGeom>
+          <a:ln>
+            <a:tailEnd type="none"/>
+          </a:ln>
+        </p:spPr>
+        <p:style>
+          <a:lnRef idx="1">
+            <a:schemeClr val="dk1"/>
+          </a:lnRef>
+          <a:fillRef idx="0">
+            <a:schemeClr val="dk1"/>
+          </a:fillRef>
+          <a:effectRef idx="0">
+            <a:schemeClr val="dk1"/>
+          </a:effectRef>
+          <a:fontRef idx="minor">
+            <a:schemeClr val="tx1"/>
+          </a:fontRef>
+        </p:style>
+      </p:cxnSp>
+    </p:spTree>
+    <p:extLst>
+      <p:ext uri="{BB962C8B-B14F-4D97-AF65-F5344CB8AC3E}">
+        <p14:creationId xmlns:p14="http://schemas.microsoft.com/office/powerpoint/2010/main" val="1568729416"/>
+      </p:ext>
+    </p:extLst>
+  </p:cSld>
+  <p:clrMapOvr>
+    <a:masterClrMapping/>
+  </p:clrMapOvr>
+</p:sld>
+</file>
+
+<file path=ppt/slides/slide9.xml><?xml version="1.0" encoding="utf-8"?>
+<p:sld xmlns:a="http://schemas.openxmlformats.org/drawingml/2006/main" xmlns:r="http://schemas.openxmlformats.org/officeDocument/2006/relationships" xmlns:p="http://schemas.openxmlformats.org/presentationml/2006/main">
+  <p:cSld>
+    <p:spTree>
+      <p:nvGrpSpPr>
+        <p:cNvPr id="1" name=""/>
+        <p:cNvGrpSpPr/>
+        <p:nvPr/>
+      </p:nvGrpSpPr>
+      <p:grpSpPr>
+        <a:xfrm>
+          <a:off x="0" y="0"/>
+          <a:ext cx="0" cy="0"/>
+          <a:chOff x="0" y="0"/>
+          <a:chExt cx="0" cy="0"/>
+        </a:xfrm>
+      </p:grpSpPr>
+      <p:sp>
+        <p:nvSpPr>
+          <p:cNvPr id="2" name="Title 1">
+            <a:extLst>
+              <a:ext uri="{FF2B5EF4-FFF2-40B4-BE49-F238E27FC236}">
+                <a16:creationId xmlns:a16="http://schemas.microsoft.com/office/drawing/2014/main" id="{64FB653E-7B74-4D2F-AE15-C212B7060064}"/>
+              </a:ext>
+            </a:extLst>
+          </p:cNvPr>
+          <p:cNvSpPr>
+            <a:spLocks noGrp="1"/>
+          </p:cNvSpPr>
+          <p:nvPr>
+            <p:ph type="title"/>
+          </p:nvPr>
+        </p:nvSpPr>
+        <p:spPr>
+          <a:xfrm>
+            <a:off x="1115569" y="211445"/>
+            <a:ext cx="22020656" cy="1945408"/>
+          </a:xfrm>
+        </p:spPr>
+        <p:txBody>
+          <a:bodyPr/>
+          <a:lstStyle/>
+          <a:p>
+            <a:r>
+              <a:rPr lang="en-US" dirty="0">
+                <a:latin typeface="Calibri" panose="020F0502020204030204" pitchFamily="34" charset="0"/>
+                <a:cs typeface="Calibri" panose="020F0502020204030204" pitchFamily="34" charset="0"/>
+              </a:rPr>
+              <a:t>Technical Stack</a:t>
+            </a:r>
+          </a:p>
+        </p:txBody>
+      </p:sp>
+      <p:sp>
+        <p:nvSpPr>
+          <p:cNvPr id="3" name="Content Placeholder 2">
+            <a:extLst>
+              <a:ext uri="{FF2B5EF4-FFF2-40B4-BE49-F238E27FC236}">
+                <a16:creationId xmlns:a16="http://schemas.microsoft.com/office/drawing/2014/main" id="{FACE6C9A-CDD7-4D66-B4F7-651776F62256}"/>
+              </a:ext>
+            </a:extLst>
+          </p:cNvPr>
+          <p:cNvSpPr>
+            <a:spLocks noGrp="1"/>
+          </p:cNvSpPr>
+          <p:nvPr>
+            <p:ph idx="1"/>
+          </p:nvPr>
+        </p:nvSpPr>
+        <p:spPr>
+          <a:xfrm>
+            <a:off x="1088501" y="2293040"/>
+            <a:ext cx="22047724" cy="9467850"/>
+          </a:xfrm>
+        </p:spPr>
+        <p:txBody>
+          <a:bodyPr/>
+          <a:lstStyle/>
+          <a:p>
+            <a:r>
+              <a:rPr lang="en-US" sz="4000" dirty="0">
+                <a:latin typeface="Calibri" panose="020F0502020204030204" pitchFamily="34" charset="0"/>
+                <a:cs typeface="Calibri" panose="020F0502020204030204" pitchFamily="34" charset="0"/>
+              </a:rPr>
+              <a:t>User Interface – Android SDK</a:t>
+            </a:r>
+          </a:p>
+          <a:p>
+            <a:r>
+              <a:rPr lang="en-US" sz="4000" dirty="0">
+                <a:latin typeface="Calibri" panose="020F0502020204030204" pitchFamily="34" charset="0"/>
+                <a:cs typeface="Calibri" panose="020F0502020204030204" pitchFamily="34" charset="0"/>
+              </a:rPr>
+              <a:t>Backend Service – </a:t>
+            </a:r>
+          </a:p>
+          <a:p>
+            <a:r>
+              <a:rPr lang="en-US" sz="4000" dirty="0">
+                <a:latin typeface="Calibri" panose="020F0502020204030204" pitchFamily="34" charset="0"/>
+                <a:cs typeface="Calibri" panose="020F0502020204030204" pitchFamily="34" charset="0"/>
+              </a:rPr>
+              <a:t>Machine Learning – Python, </a:t>
+            </a:r>
+            <a:r>
+              <a:rPr lang="en-US" sz="4000" dirty="0" err="1">
+                <a:latin typeface="Calibri" panose="020F0502020204030204" pitchFamily="34" charset="0"/>
+                <a:cs typeface="Calibri" panose="020F0502020204030204" pitchFamily="34" charset="0"/>
+              </a:rPr>
+              <a:t>Jupyter</a:t>
+            </a:r>
+            <a:r>
+              <a:rPr lang="en-US" sz="4000" dirty="0">
+                <a:latin typeface="Calibri" panose="020F0502020204030204" pitchFamily="34" charset="0"/>
+                <a:cs typeface="Calibri" panose="020F0502020204030204" pitchFamily="34" charset="0"/>
+              </a:rPr>
+              <a:t> Notebook</a:t>
+            </a:r>
+          </a:p>
+        </p:txBody>
+      </p:sp>
+      <p:cxnSp>
+        <p:nvCxnSpPr>
+          <p:cNvPr id="5" name="Straight Connector 4">
+            <a:extLst>
+              <a:ext uri="{FF2B5EF4-FFF2-40B4-BE49-F238E27FC236}">
+                <a16:creationId xmlns:a16="http://schemas.microsoft.com/office/drawing/2014/main" id="{5C8322C7-6B22-46F9-9F6D-BC9298D5DB5C}"/>
+              </a:ext>
+            </a:extLst>
+          </p:cNvPr>
+          <p:cNvCxnSpPr>
+            <a:cxnSpLocks/>
+          </p:cNvCxnSpPr>
+          <p:nvPr/>
+        </p:nvCxnSpPr>
+        <p:spPr>
+          <a:xfrm>
+            <a:off x="1088501" y="1789889"/>
+            <a:ext cx="22471890" cy="0"/>
+          </a:xfrm>
+          <a:prstGeom prst="line">
+            <a:avLst/>
+          </a:prstGeom>
+          <a:ln>
+            <a:tailEnd type="none"/>
+          </a:ln>
+        </p:spPr>
+        <p:style>
+          <a:lnRef idx="1">
+            <a:schemeClr val="dk1"/>
+          </a:lnRef>
+          <a:fillRef idx="0">
+            <a:schemeClr val="dk1"/>
+          </a:fillRef>
+          <a:effectRef idx="0">
+            <a:schemeClr val="dk1"/>
+          </a:effectRef>
+          <a:fontRef idx="minor">
+            <a:schemeClr val="tx1"/>
+          </a:fontRef>
+        </p:style>
+      </p:cxnSp>
+    </p:spTree>
+    <p:extLst>
+      <p:ext uri="{BB962C8B-B14F-4D97-AF65-F5344CB8AC3E}">
+        <p14:creationId xmlns:p14="http://schemas.microsoft.com/office/powerpoint/2010/main" val="2883518066"/>
       </p:ext>
     </p:extLst>
   </p:cSld>

--- a/DepressionTracker.pptx
+++ b/DepressionTracker.pptx
@@ -5,22 +5,23 @@
     <p:sldMasterId id="2147483694" r:id="rId1"/>
   </p:sldMasterIdLst>
   <p:notesMasterIdLst>
-    <p:notesMasterId r:id="rId12"/>
+    <p:notesMasterId r:id="rId13"/>
   </p:notesMasterIdLst>
   <p:handoutMasterIdLst>
-    <p:handoutMasterId r:id="rId13"/>
+    <p:handoutMasterId r:id="rId14"/>
   </p:handoutMasterIdLst>
   <p:sldIdLst>
     <p:sldId id="382" r:id="rId2"/>
     <p:sldId id="386" r:id="rId3"/>
     <p:sldId id="387" r:id="rId4"/>
     <p:sldId id="385" r:id="rId5"/>
-    <p:sldId id="388" r:id="rId6"/>
-    <p:sldId id="391" r:id="rId7"/>
-    <p:sldId id="389" r:id="rId8"/>
-    <p:sldId id="392" r:id="rId9"/>
-    <p:sldId id="390" r:id="rId10"/>
-    <p:sldId id="307" r:id="rId11"/>
+    <p:sldId id="393" r:id="rId6"/>
+    <p:sldId id="388" r:id="rId7"/>
+    <p:sldId id="391" r:id="rId8"/>
+    <p:sldId id="389" r:id="rId9"/>
+    <p:sldId id="395" r:id="rId10"/>
+    <p:sldId id="392" r:id="rId11"/>
+    <p:sldId id="307" r:id="rId12"/>
   </p:sldIdLst>
   <p:sldSz cx="24382413" cy="13716000"/>
   <p:notesSz cx="6858000" cy="9144000"/>
@@ -338,7 +339,7 @@
               <a:pPr>
                 <a:defRPr/>
               </a:pPr>
-              <a:t>6/3/2019</a:t>
+              <a:t>6/15/2019</a:t>
             </a:fld>
             <a:endParaRPr/>
           </a:p>
@@ -474,14 +475,14 @@
           </a:effectLst>
           <a:extLst>
             <a:ext uri="{909E8E84-426E-40dd-AFC4-6F175D3DCCD1}">
-              <a14:hiddenFill xmlns="" xmlns:a14="http://schemas.microsoft.com/office/drawing/2010/main">
+              <a14:hiddenFill xmlns:a14="http://schemas.microsoft.com/office/drawing/2010/main" xmlns="">
                 <a:solidFill>
                   <a:srgbClr val="FFFFFF"/>
                 </a:solidFill>
               </a14:hiddenFill>
             </a:ext>
             <a:ext uri="{91240B29-F687-4f45-9708-019B960494DF}">
-              <a14:hiddenLine xmlns="" xmlns:a14="http://schemas.microsoft.com/office/drawing/2010/main" w="9525">
+              <a14:hiddenLine xmlns:a14="http://schemas.microsoft.com/office/drawing/2010/main" xmlns="" w="9525">
                 <a:solidFill>
                   <a:srgbClr val="000000"/>
                 </a:solidFill>
@@ -616,7 +617,7 @@
               <a:pPr>
                 <a:defRPr/>
               </a:pPr>
-              <a:t>6/3/2019</a:t>
+              <a:t>6/15/2019</a:t>
             </a:fld>
             <a:endParaRPr/>
           </a:p>
@@ -955,14 +956,14 @@
           </a:effectLst>
           <a:extLst>
             <a:ext uri="{909E8E84-426E-40dd-AFC4-6F175D3DCCD1}">
-              <a14:hiddenFill xmlns="" xmlns:a14="http://schemas.microsoft.com/office/drawing/2010/main">
+              <a14:hiddenFill xmlns:a14="http://schemas.microsoft.com/office/drawing/2010/main" xmlns="">
                 <a:solidFill>
                   <a:srgbClr val="FFFFFF"/>
                 </a:solidFill>
               </a14:hiddenFill>
             </a:ext>
             <a:ext uri="{91240B29-F687-4f45-9708-019B960494DF}">
-              <a14:hiddenLine xmlns="" xmlns:a14="http://schemas.microsoft.com/office/drawing/2010/main" w="9525">
+              <a14:hiddenLine xmlns:a14="http://schemas.microsoft.com/office/drawing/2010/main" xmlns="" w="9525">
                 <a:solidFill>
                   <a:srgbClr val="000000"/>
                 </a:solidFill>
@@ -1375,6 +1376,96 @@
             <a:spLocks noGrp="1"/>
           </p:cNvSpPr>
           <p:nvPr>
+            <p:ph type="sldNum" sz="quarter" idx="5"/>
+          </p:nvPr>
+        </p:nvSpPr>
+        <p:spPr/>
+        <p:txBody>
+          <a:bodyPr/>
+          <a:lstStyle/>
+          <a:p>
+            <a:pPr>
+              <a:defRPr/>
+            </a:pPr>
+            <a:fld id="{D6467022-1A2E-7141-8B66-5520D8C1752F}" type="slidenum">
+              <a:rPr lang="en-US" smtClean="0"/>
+              <a:pPr>
+                <a:defRPr/>
+              </a:pPr>
+              <a:t>5</a:t>
+            </a:fld>
+            <a:endParaRPr lang="en-US"/>
+          </a:p>
+        </p:txBody>
+      </p:sp>
+    </p:spTree>
+    <p:extLst>
+      <p:ext uri="{BB962C8B-B14F-4D97-AF65-F5344CB8AC3E}">
+        <p14:creationId xmlns:p14="http://schemas.microsoft.com/office/powerpoint/2010/main" val="3504457015"/>
+      </p:ext>
+    </p:extLst>
+  </p:cSld>
+  <p:clrMapOvr>
+    <a:masterClrMapping/>
+  </p:clrMapOvr>
+</p:notes>
+</file>
+
+<file path=ppt/notesSlides/notesSlide4.xml><?xml version="1.0" encoding="utf-8"?>
+<p:notes xmlns:a="http://schemas.openxmlformats.org/drawingml/2006/main" xmlns:r="http://schemas.openxmlformats.org/officeDocument/2006/relationships" xmlns:p="http://schemas.openxmlformats.org/presentationml/2006/main">
+  <p:cSld>
+    <p:spTree>
+      <p:nvGrpSpPr>
+        <p:cNvPr id="1" name=""/>
+        <p:cNvGrpSpPr/>
+        <p:nvPr/>
+      </p:nvGrpSpPr>
+      <p:grpSpPr>
+        <a:xfrm>
+          <a:off x="0" y="0"/>
+          <a:ext cx="0" cy="0"/>
+          <a:chOff x="0" y="0"/>
+          <a:chExt cx="0" cy="0"/>
+        </a:xfrm>
+      </p:grpSpPr>
+      <p:sp>
+        <p:nvSpPr>
+          <p:cNvPr id="2" name="Slide Image Placeholder 1"/>
+          <p:cNvSpPr>
+            <a:spLocks noGrp="1" noRot="1" noChangeAspect="1"/>
+          </p:cNvSpPr>
+          <p:nvPr>
+            <p:ph type="sldImg"/>
+          </p:nvPr>
+        </p:nvSpPr>
+        <p:spPr/>
+      </p:sp>
+      <p:sp>
+        <p:nvSpPr>
+          <p:cNvPr id="3" name="Notes Placeholder 2"/>
+          <p:cNvSpPr>
+            <a:spLocks noGrp="1"/>
+          </p:cNvSpPr>
+          <p:nvPr>
+            <p:ph type="body" idx="1"/>
+          </p:nvPr>
+        </p:nvSpPr>
+        <p:spPr/>
+        <p:txBody>
+          <a:bodyPr/>
+          <a:lstStyle/>
+          <a:p>
+            <a:endParaRPr lang="en-US" dirty="0"/>
+          </a:p>
+        </p:txBody>
+      </p:sp>
+      <p:sp>
+        <p:nvSpPr>
+          <p:cNvPr id="4" name="Slide Number Placeholder 3"/>
+          <p:cNvSpPr>
+            <a:spLocks noGrp="1"/>
+          </p:cNvSpPr>
+          <p:nvPr>
             <p:ph type="sldNum" sz="quarter" idx="10"/>
           </p:nvPr>
         </p:nvSpPr>
@@ -1391,7 +1482,7 @@
               <a:pPr>
                 <a:defRPr/>
               </a:pPr>
-              <a:t>10</a:t>
+              <a:t>11</a:t>
             </a:fld>
             <a:endParaRPr lang="uk-UA"/>
           </a:p>
@@ -1826,17 +1917,17 @@
           </a:ln>
           <a:extLst>
             <a:ext uri="{FAA26D3D-D897-4be2-8F04-BA451C77F1D7}">
-              <ma14:placeholderFlag xmlns:ma14="http://schemas.microsoft.com/office/mac/drawingml/2011/main" xmlns="" val="1"/>
+              <ma14:placeholderFlag xmlns="" xmlns:ma14="http://schemas.microsoft.com/office/mac/drawingml/2011/main" val="1"/>
             </a:ext>
             <a:ext uri="{909E8E84-426E-40dd-AFC4-6F175D3DCCD1}">
-              <a14:hiddenFill xmlns="" xmlns:a14="http://schemas.microsoft.com/office/drawing/2010/main">
+              <a14:hiddenFill xmlns:a14="http://schemas.microsoft.com/office/drawing/2010/main" xmlns="">
                 <a:solidFill>
                   <a:srgbClr val="FFFFFF"/>
                 </a:solidFill>
               </a14:hiddenFill>
             </a:ext>
             <a:ext uri="{91240B29-F687-4f45-9708-019B960494DF}">
-              <a14:hiddenLine xmlns="" xmlns:a14="http://schemas.microsoft.com/office/drawing/2010/main" w="9525">
+              <a14:hiddenLine xmlns:a14="http://schemas.microsoft.com/office/drawing/2010/main" xmlns="" w="9525">
                 <a:solidFill>
                   <a:srgbClr val="000000"/>
                 </a:solidFill>
@@ -2316,17 +2407,17 @@
           </a:ln>
           <a:extLst>
             <a:ext uri="{FAA26D3D-D897-4be2-8F04-BA451C77F1D7}">
-              <ma14:placeholderFlag xmlns:ma14="http://schemas.microsoft.com/office/mac/drawingml/2011/main" xmlns="" val="1"/>
+              <ma14:placeholderFlag xmlns="" xmlns:ma14="http://schemas.microsoft.com/office/mac/drawingml/2011/main" val="1"/>
             </a:ext>
             <a:ext uri="{909E8E84-426E-40dd-AFC4-6F175D3DCCD1}">
-              <a14:hiddenFill xmlns="" xmlns:a14="http://schemas.microsoft.com/office/drawing/2010/main">
+              <a14:hiddenFill xmlns:a14="http://schemas.microsoft.com/office/drawing/2010/main" xmlns="">
                 <a:solidFill>
                   <a:srgbClr val="FFFFFF"/>
                 </a:solidFill>
               </a14:hiddenFill>
             </a:ext>
             <a:ext uri="{91240B29-F687-4f45-9708-019B960494DF}">
-              <a14:hiddenLine xmlns="" xmlns:a14="http://schemas.microsoft.com/office/drawing/2010/main" w="9525">
+              <a14:hiddenLine xmlns:a14="http://schemas.microsoft.com/office/drawing/2010/main" xmlns="" w="9525">
                 <a:solidFill>
                   <a:srgbClr val="000000"/>
                 </a:solidFill>
@@ -2796,17 +2887,17 @@
           </a:ln>
           <a:extLst>
             <a:ext uri="{FAA26D3D-D897-4be2-8F04-BA451C77F1D7}">
-              <ma14:placeholderFlag xmlns:ma14="http://schemas.microsoft.com/office/mac/drawingml/2011/main" xmlns="" val="1"/>
+              <ma14:placeholderFlag xmlns="" xmlns:ma14="http://schemas.microsoft.com/office/mac/drawingml/2011/main" val="1"/>
             </a:ext>
             <a:ext uri="{909E8E84-426E-40dd-AFC4-6F175D3DCCD1}">
-              <a14:hiddenFill xmlns="" xmlns:a14="http://schemas.microsoft.com/office/drawing/2010/main">
+              <a14:hiddenFill xmlns:a14="http://schemas.microsoft.com/office/drawing/2010/main" xmlns="">
                 <a:solidFill>
                   <a:srgbClr val="FFFFFF"/>
                 </a:solidFill>
               </a14:hiddenFill>
             </a:ext>
             <a:ext uri="{91240B29-F687-4f45-9708-019B960494DF}">
-              <a14:hiddenLine xmlns="" xmlns:a14="http://schemas.microsoft.com/office/drawing/2010/main" w="9525">
+              <a14:hiddenLine xmlns:a14="http://schemas.microsoft.com/office/drawing/2010/main" xmlns="" w="9525">
                 <a:solidFill>
                   <a:srgbClr val="000000"/>
                 </a:solidFill>
@@ -3075,14 +3166,14 @@
           </a:ln>
           <a:extLst>
             <a:ext uri="{909E8E84-426E-40dd-AFC4-6F175D3DCCD1}">
-              <a14:hiddenFill xmlns="" xmlns:a14="http://schemas.microsoft.com/office/drawing/2010/main">
+              <a14:hiddenFill xmlns:a14="http://schemas.microsoft.com/office/drawing/2010/main" xmlns="">
                 <a:solidFill>
                   <a:srgbClr val="FFFFFF"/>
                 </a:solidFill>
               </a14:hiddenFill>
             </a:ext>
             <a:ext uri="{91240B29-F687-4f45-9708-019B960494DF}">
-              <a14:hiddenLine xmlns="" xmlns:a14="http://schemas.microsoft.com/office/drawing/2010/main" w="9525">
+              <a14:hiddenLine xmlns:a14="http://schemas.microsoft.com/office/drawing/2010/main" xmlns="" w="9525">
                 <a:solidFill>
                   <a:srgbClr val="000000"/>
                 </a:solidFill>
@@ -3450,17 +3541,17 @@
           </a:ln>
           <a:extLst>
             <a:ext uri="{FAA26D3D-D897-4be2-8F04-BA451C77F1D7}">
-              <ma14:placeholderFlag xmlns:ma14="http://schemas.microsoft.com/office/mac/drawingml/2011/main" xmlns="" val="1"/>
+              <ma14:placeholderFlag xmlns="" xmlns:ma14="http://schemas.microsoft.com/office/mac/drawingml/2011/main" val="1"/>
             </a:ext>
             <a:ext uri="{909E8E84-426E-40dd-AFC4-6F175D3DCCD1}">
-              <a14:hiddenFill xmlns="" xmlns:a14="http://schemas.microsoft.com/office/drawing/2010/main">
+              <a14:hiddenFill xmlns:a14="http://schemas.microsoft.com/office/drawing/2010/main" xmlns="">
                 <a:solidFill>
                   <a:srgbClr val="FFFFFF"/>
                 </a:solidFill>
               </a14:hiddenFill>
             </a:ext>
             <a:ext uri="{91240B29-F687-4f45-9708-019B960494DF}">
-              <a14:hiddenLine xmlns="" xmlns:a14="http://schemas.microsoft.com/office/drawing/2010/main" w="9525">
+              <a14:hiddenLine xmlns:a14="http://schemas.microsoft.com/office/drawing/2010/main" xmlns="" w="9525">
                 <a:solidFill>
                   <a:srgbClr val="000000"/>
                 </a:solidFill>
@@ -4225,17 +4316,17 @@
           </a:ln>
           <a:extLst>
             <a:ext uri="{FAA26D3D-D897-4be2-8F04-BA451C77F1D7}">
-              <ma14:placeholderFlag xmlns:ma14="http://schemas.microsoft.com/office/mac/drawingml/2011/main" xmlns="" val="1"/>
+              <ma14:placeholderFlag xmlns="" xmlns:ma14="http://schemas.microsoft.com/office/mac/drawingml/2011/main" val="1"/>
             </a:ext>
             <a:ext uri="{909E8E84-426E-40dd-AFC4-6F175D3DCCD1}">
-              <a14:hiddenFill xmlns="" xmlns:a14="http://schemas.microsoft.com/office/drawing/2010/main">
+              <a14:hiddenFill xmlns:a14="http://schemas.microsoft.com/office/drawing/2010/main" xmlns="">
                 <a:solidFill>
                   <a:srgbClr val="FFFFFF"/>
                 </a:solidFill>
               </a14:hiddenFill>
             </a:ext>
             <a:ext uri="{91240B29-F687-4f45-9708-019B960494DF}">
-              <a14:hiddenLine xmlns="" xmlns:a14="http://schemas.microsoft.com/office/drawing/2010/main" w="9525">
+              <a14:hiddenLine xmlns:a14="http://schemas.microsoft.com/office/drawing/2010/main" xmlns="" w="9525">
                 <a:solidFill>
                   <a:srgbClr val="000000"/>
                 </a:solidFill>
@@ -4283,17 +4374,17 @@
           </a:ln>
           <a:extLst>
             <a:ext uri="{FAA26D3D-D897-4be2-8F04-BA451C77F1D7}">
-              <ma14:placeholderFlag xmlns:ma14="http://schemas.microsoft.com/office/mac/drawingml/2011/main" xmlns="" val="1"/>
+              <ma14:placeholderFlag xmlns="" xmlns:ma14="http://schemas.microsoft.com/office/mac/drawingml/2011/main" val="1"/>
             </a:ext>
             <a:ext uri="{909E8E84-426E-40dd-AFC4-6F175D3DCCD1}">
-              <a14:hiddenFill xmlns="" xmlns:a14="http://schemas.microsoft.com/office/drawing/2010/main">
+              <a14:hiddenFill xmlns:a14="http://schemas.microsoft.com/office/drawing/2010/main" xmlns="">
                 <a:solidFill>
                   <a:srgbClr val="FFFFFF"/>
                 </a:solidFill>
               </a14:hiddenFill>
             </a:ext>
             <a:ext uri="{91240B29-F687-4f45-9708-019B960494DF}">
-              <a14:hiddenLine xmlns="" xmlns:a14="http://schemas.microsoft.com/office/drawing/2010/main" w="9525">
+              <a14:hiddenLine xmlns:a14="http://schemas.microsoft.com/office/drawing/2010/main" xmlns="" w="9525">
                 <a:solidFill>
                   <a:srgbClr val="000000"/>
                 </a:solidFill>
@@ -4356,14 +4447,14 @@
           </a:ln>
           <a:extLst>
             <a:ext uri="{909E8E84-426E-40dd-AFC4-6F175D3DCCD1}">
-              <a14:hiddenFill xmlns="" xmlns:a14="http://schemas.microsoft.com/office/drawing/2010/main">
+              <a14:hiddenFill xmlns:a14="http://schemas.microsoft.com/office/drawing/2010/main" xmlns="">
                 <a:solidFill>
                   <a:srgbClr val="FFFFFF"/>
                 </a:solidFill>
               </a14:hiddenFill>
             </a:ext>
             <a:ext uri="{91240B29-F687-4f45-9708-019B960494DF}">
-              <a14:hiddenLine xmlns="" xmlns:a14="http://schemas.microsoft.com/office/drawing/2010/main" w="9525">
+              <a14:hiddenLine xmlns:a14="http://schemas.microsoft.com/office/drawing/2010/main" xmlns="" w="9525">
                 <a:solidFill>
                   <a:srgbClr val="000000"/>
                 </a:solidFill>
@@ -5147,8 +5238,11 @@
           <a:lstStyle/>
           <a:p>
             <a:r>
-              <a:rPr lang="en-US" dirty="0"/>
-              <a:t>Social Media Sentimental Analysis to predict Depression</a:t>
+              <a:rPr lang="en-US" dirty="0">
+                <a:latin typeface="Times New Roman" panose="02020603050405020304" pitchFamily="18" charset="0"/>
+                <a:cs typeface="Times New Roman" panose="02020603050405020304" pitchFamily="18" charset="0"/>
+              </a:rPr>
+              <a:t>Sentimental Analysis on Social Media to Predict Depression</a:t>
             </a:r>
           </a:p>
         </p:txBody>
@@ -5169,8 +5263,11 @@
           <a:lstStyle/>
           <a:p>
             <a:r>
-              <a:rPr lang="en-US" dirty="0"/>
-              <a:t>June 9th , 2019</a:t>
+              <a:rPr lang="en-US" dirty="0">
+                <a:latin typeface="Times New Roman" panose="02020603050405020304" pitchFamily="18" charset="0"/>
+                <a:cs typeface="Times New Roman" panose="02020603050405020304" pitchFamily="18" charset="0"/>
+              </a:rPr>
+              <a:t>June 15th , 2019</a:t>
             </a:r>
           </a:p>
         </p:txBody>
@@ -5189,6 +5286,205 @@
 </file>
 
 <file path=ppt/slides/slide10.xml><?xml version="1.0" encoding="utf-8"?>
+<p:sld xmlns:a="http://schemas.openxmlformats.org/drawingml/2006/main" xmlns:r="http://schemas.openxmlformats.org/officeDocument/2006/relationships" xmlns:p="http://schemas.openxmlformats.org/presentationml/2006/main">
+  <p:cSld>
+    <p:spTree>
+      <p:nvGrpSpPr>
+        <p:cNvPr id="1" name=""/>
+        <p:cNvGrpSpPr/>
+        <p:nvPr/>
+      </p:nvGrpSpPr>
+      <p:grpSpPr>
+        <a:xfrm>
+          <a:off x="0" y="0"/>
+          <a:ext cx="0" cy="0"/>
+          <a:chOff x="0" y="0"/>
+          <a:chExt cx="0" cy="0"/>
+        </a:xfrm>
+      </p:grpSpPr>
+      <p:sp>
+        <p:nvSpPr>
+          <p:cNvPr id="2" name="Title 1">
+            <a:extLst>
+              <a:ext uri="{FF2B5EF4-FFF2-40B4-BE49-F238E27FC236}">
+                <a16:creationId xmlns:a16="http://schemas.microsoft.com/office/drawing/2014/main" id="{64FB653E-7B74-4D2F-AE15-C212B7060064}"/>
+              </a:ext>
+            </a:extLst>
+          </p:cNvPr>
+          <p:cNvSpPr>
+            <a:spLocks noGrp="1"/>
+          </p:cNvSpPr>
+          <p:nvPr>
+            <p:ph type="title"/>
+          </p:nvPr>
+        </p:nvSpPr>
+        <p:spPr>
+          <a:xfrm>
+            <a:off x="1115569" y="211445"/>
+            <a:ext cx="22020656" cy="1945408"/>
+          </a:xfrm>
+        </p:spPr>
+        <p:txBody>
+          <a:bodyPr/>
+          <a:lstStyle/>
+          <a:p>
+            <a:r>
+              <a:rPr lang="en-US" dirty="0">
+                <a:latin typeface="Times New Roman" panose="02020603050405020304" pitchFamily="18" charset="0"/>
+                <a:cs typeface="Times New Roman" panose="02020603050405020304" pitchFamily="18" charset="0"/>
+              </a:rPr>
+              <a:t>Conclusion</a:t>
+            </a:r>
+          </a:p>
+        </p:txBody>
+      </p:sp>
+      <p:sp>
+        <p:nvSpPr>
+          <p:cNvPr id="3" name="Content Placeholder 2">
+            <a:extLst>
+              <a:ext uri="{FF2B5EF4-FFF2-40B4-BE49-F238E27FC236}">
+                <a16:creationId xmlns:a16="http://schemas.microsoft.com/office/drawing/2014/main" id="{FACE6C9A-CDD7-4D66-B4F7-651776F62256}"/>
+              </a:ext>
+            </a:extLst>
+          </p:cNvPr>
+          <p:cNvSpPr>
+            <a:spLocks noGrp="1"/>
+          </p:cNvSpPr>
+          <p:nvPr>
+            <p:ph idx="1"/>
+          </p:nvPr>
+        </p:nvSpPr>
+        <p:spPr>
+          <a:xfrm>
+            <a:off x="1088500" y="2293039"/>
+            <a:ext cx="22624939" cy="10325675"/>
+          </a:xfrm>
+        </p:spPr>
+        <p:txBody>
+          <a:bodyPr/>
+          <a:lstStyle/>
+          <a:p>
+            <a:pPr>
+              <a:buFont typeface="Wingdings" panose="05000000000000000000" pitchFamily="2" charset="2"/>
+              <a:buChar char="ü"/>
+            </a:pPr>
+            <a:r>
+              <a:rPr lang="en-US" dirty="0">
+                <a:latin typeface="Times New Roman" panose="02020603050405020304" pitchFamily="18" charset="0"/>
+                <a:cs typeface="Times New Roman" panose="02020603050405020304" pitchFamily="18" charset="0"/>
+              </a:rPr>
+              <a:t>We have proposed Naïve Bayes algorithm with NLTK Sentimental Analyzer to provide several insights with consistent results</a:t>
+            </a:r>
+          </a:p>
+          <a:p>
+            <a:pPr>
+              <a:buFont typeface="Wingdings" panose="05000000000000000000" pitchFamily="2" charset="2"/>
+              <a:buChar char="ü"/>
+            </a:pPr>
+            <a:r>
+              <a:rPr lang="en-US" dirty="0">
+                <a:latin typeface="Times New Roman" panose="02020603050405020304" pitchFamily="18" charset="0"/>
+                <a:cs typeface="Times New Roman" panose="02020603050405020304" pitchFamily="18" charset="0"/>
+              </a:rPr>
+              <a:t>In future, we will further refine our approach to improve the accuracy of our model by applying other algorithms</a:t>
+            </a:r>
+          </a:p>
+          <a:p>
+            <a:pPr>
+              <a:buFont typeface="Wingdings" panose="05000000000000000000" pitchFamily="2" charset="2"/>
+              <a:buChar char="ü"/>
+            </a:pPr>
+            <a:r>
+              <a:rPr lang="en-US" dirty="0">
+                <a:latin typeface="Times New Roman" panose="02020603050405020304" pitchFamily="18" charset="0"/>
+                <a:cs typeface="Times New Roman" panose="02020603050405020304" pitchFamily="18" charset="0"/>
+              </a:rPr>
+              <a:t>We will also consider image recognition libraries to understand the content and sentiment of the photographic data from Instagram</a:t>
+            </a:r>
+          </a:p>
+          <a:p>
+            <a:pPr>
+              <a:buFont typeface="Wingdings" panose="05000000000000000000" pitchFamily="2" charset="2"/>
+              <a:buChar char="ü"/>
+            </a:pPr>
+            <a:r>
+              <a:rPr lang="en-US" dirty="0">
+                <a:latin typeface="Times New Roman" panose="02020603050405020304" pitchFamily="18" charset="0"/>
+                <a:cs typeface="Times New Roman" panose="02020603050405020304" pitchFamily="18" charset="0"/>
+              </a:rPr>
+              <a:t>This will make our prediction model more robust and accurate</a:t>
+            </a:r>
+          </a:p>
+          <a:p>
+            <a:pPr>
+              <a:buFont typeface="Wingdings" panose="05000000000000000000" pitchFamily="2" charset="2"/>
+              <a:buChar char="ü"/>
+            </a:pPr>
+            <a:r>
+              <a:rPr lang="en-US" dirty="0">
+                <a:latin typeface="Times New Roman" panose="02020603050405020304" pitchFamily="18" charset="0"/>
+                <a:cs typeface="Times New Roman" panose="02020603050405020304" pitchFamily="18" charset="0"/>
+              </a:rPr>
+              <a:t>It will also help us to detect depression on the basis of social media platform</a:t>
+            </a:r>
+          </a:p>
+        </p:txBody>
+      </p:sp>
+      <p:cxnSp>
+        <p:nvCxnSpPr>
+          <p:cNvPr id="5" name="Straight Connector 4">
+            <a:extLst>
+              <a:ext uri="{FF2B5EF4-FFF2-40B4-BE49-F238E27FC236}">
+                <a16:creationId xmlns:a16="http://schemas.microsoft.com/office/drawing/2014/main" id="{5C8322C7-6B22-46F9-9F6D-BC9298D5DB5C}"/>
+              </a:ext>
+            </a:extLst>
+          </p:cNvPr>
+          <p:cNvCxnSpPr>
+            <a:cxnSpLocks/>
+          </p:cNvCxnSpPr>
+          <p:nvPr/>
+        </p:nvCxnSpPr>
+        <p:spPr>
+          <a:xfrm>
+            <a:off x="1088501" y="1789889"/>
+            <a:ext cx="22471890" cy="0"/>
+          </a:xfrm>
+          <a:prstGeom prst="line">
+            <a:avLst/>
+          </a:prstGeom>
+          <a:ln>
+            <a:tailEnd type="none"/>
+          </a:ln>
+        </p:spPr>
+        <p:style>
+          <a:lnRef idx="1">
+            <a:schemeClr val="dk1"/>
+          </a:lnRef>
+          <a:fillRef idx="0">
+            <a:schemeClr val="dk1"/>
+          </a:fillRef>
+          <a:effectRef idx="0">
+            <a:schemeClr val="dk1"/>
+          </a:effectRef>
+          <a:fontRef idx="minor">
+            <a:schemeClr val="tx1"/>
+          </a:fontRef>
+        </p:style>
+      </p:cxnSp>
+    </p:spTree>
+    <p:extLst>
+      <p:ext uri="{BB962C8B-B14F-4D97-AF65-F5344CB8AC3E}">
+        <p14:creationId xmlns:p14="http://schemas.microsoft.com/office/powerpoint/2010/main" val="1568729416"/>
+      </p:ext>
+    </p:extLst>
+  </p:cSld>
+  <p:clrMapOvr>
+    <a:masterClrMapping/>
+  </p:clrMapOvr>
+</p:sld>
+</file>
+
+<file path=ppt/slides/slide11.xml><?xml version="1.0" encoding="utf-8"?>
 <p:sld xmlns:a="http://schemas.openxmlformats.org/drawingml/2006/main" xmlns:r="http://schemas.openxmlformats.org/officeDocument/2006/relationships" xmlns:p="http://schemas.openxmlformats.org/presentationml/2006/main">
   <p:cSld>
     <p:spTree>
@@ -5232,9 +5528,9 @@
                 <a:solidFill>
                   <a:schemeClr val="accent2"/>
                 </a:solidFill>
-                <a:latin typeface="+mj-lt"/>
+                <a:latin typeface="Times New Roman" panose="02020603050405020304" pitchFamily="18" charset="0"/>
                 <a:ea typeface="Lato" charset="0"/>
-                <a:cs typeface="Lato" charset="0"/>
+                <a:cs typeface="Times New Roman" panose="02020603050405020304" pitchFamily="18" charset="0"/>
               </a:rPr>
               <a:t>opentext.com</a:t>
             </a:r>
@@ -5242,9 +5538,9 @@
               <a:solidFill>
                 <a:schemeClr val="accent2"/>
               </a:solidFill>
-              <a:latin typeface="+mj-lt"/>
+              <a:latin typeface="Times New Roman" panose="02020603050405020304" pitchFamily="18" charset="0"/>
               <a:ea typeface="Lato" charset="0"/>
-              <a:cs typeface="Lato" charset="0"/>
+              <a:cs typeface="Times New Roman" panose="02020603050405020304" pitchFamily="18" charset="0"/>
             </a:endParaRPr>
           </a:p>
         </p:txBody>
@@ -5278,9 +5574,9 @@
                     <a:lumMod val="50000"/>
                   </a:schemeClr>
                 </a:solidFill>
-                <a:latin typeface="+mj-lt"/>
+                <a:latin typeface="Times New Roman" panose="02020603050405020304" pitchFamily="18" charset="0"/>
                 <a:ea typeface="Lato Light" charset="0"/>
-                <a:cs typeface="Lato Light" charset="0"/>
+                <a:cs typeface="Times New Roman" panose="02020603050405020304" pitchFamily="18" charset="0"/>
               </a:rPr>
               <a:t>twitter.com/</a:t>
             </a:r>
@@ -5291,9 +5587,9 @@
                     <a:lumMod val="50000"/>
                   </a:schemeClr>
                 </a:solidFill>
-                <a:latin typeface="+mj-lt"/>
+                <a:latin typeface="Times New Roman" panose="02020603050405020304" pitchFamily="18" charset="0"/>
                 <a:ea typeface="Lato Light" charset="0"/>
-                <a:cs typeface="Lato Light" charset="0"/>
+                <a:cs typeface="Times New Roman" panose="02020603050405020304" pitchFamily="18" charset="0"/>
               </a:rPr>
               <a:t>opentext</a:t>
             </a:r>
@@ -5303,9 +5599,9 @@
                   <a:lumMod val="50000"/>
                 </a:schemeClr>
               </a:solidFill>
-              <a:latin typeface="+mj-lt"/>
+              <a:latin typeface="Times New Roman" panose="02020603050405020304" pitchFamily="18" charset="0"/>
               <a:ea typeface="Lato Light" charset="0"/>
-              <a:cs typeface="Lato Light" charset="0"/>
+              <a:cs typeface="Times New Roman" panose="02020603050405020304" pitchFamily="18" charset="0"/>
             </a:endParaRPr>
           </a:p>
         </p:txBody>
@@ -5339,9 +5635,9 @@
                     <a:lumMod val="50000"/>
                   </a:schemeClr>
                 </a:solidFill>
-                <a:latin typeface="+mj-lt"/>
+                <a:latin typeface="Times New Roman" panose="02020603050405020304" pitchFamily="18" charset="0"/>
                 <a:ea typeface="Lato Light" charset="0"/>
-                <a:cs typeface="Lato Light" charset="0"/>
+                <a:cs typeface="Times New Roman" panose="02020603050405020304" pitchFamily="18" charset="0"/>
               </a:rPr>
               <a:t>linkedin.com/company/</a:t>
             </a:r>
@@ -5352,9 +5648,9 @@
                     <a:lumMod val="50000"/>
                   </a:schemeClr>
                 </a:solidFill>
-                <a:latin typeface="+mj-lt"/>
+                <a:latin typeface="Times New Roman" panose="02020603050405020304" pitchFamily="18" charset="0"/>
                 <a:ea typeface="Lato Light" charset="0"/>
-                <a:cs typeface="Lato Light" charset="0"/>
+                <a:cs typeface="Times New Roman" panose="02020603050405020304" pitchFamily="18" charset="0"/>
               </a:rPr>
               <a:t>opentext</a:t>
             </a:r>
@@ -5364,9 +5660,9 @@
                   <a:lumMod val="50000"/>
                 </a:schemeClr>
               </a:solidFill>
-              <a:latin typeface="+mj-lt"/>
+              <a:latin typeface="Times New Roman" panose="02020603050405020304" pitchFamily="18" charset="0"/>
               <a:ea typeface="Lato Light" charset="0"/>
-              <a:cs typeface="Lato Light" charset="0"/>
+              <a:cs typeface="Times New Roman" panose="02020603050405020304" pitchFamily="18" charset="0"/>
             </a:endParaRPr>
           </a:p>
         </p:txBody>
@@ -5632,7 +5928,8 @@
           <a:lstStyle/>
           <a:p>
             <a:endParaRPr lang="en-US">
-              <a:latin typeface="+mj-lt"/>
+              <a:latin typeface="Times New Roman" panose="02020603050405020304" pitchFamily="18" charset="0"/>
+              <a:cs typeface="Times New Roman" panose="02020603050405020304" pitchFamily="18" charset="0"/>
             </a:endParaRPr>
           </a:p>
         </p:txBody>
@@ -5802,7 +6099,8 @@
             <a:lstStyle/>
             <a:p>
               <a:endParaRPr lang="en-US">
-                <a:latin typeface="+mj-lt"/>
+                <a:latin typeface="Times New Roman" panose="02020603050405020304" pitchFamily="18" charset="0"/>
+                <a:cs typeface="Times New Roman" panose="02020603050405020304" pitchFamily="18" charset="0"/>
               </a:endParaRPr>
             </a:p>
           </p:txBody>
@@ -6016,7 +6314,8 @@
             <a:lstStyle/>
             <a:p>
               <a:endParaRPr lang="en-US">
-                <a:latin typeface="+mj-lt"/>
+                <a:latin typeface="Times New Roman" panose="02020603050405020304" pitchFamily="18" charset="0"/>
+                <a:cs typeface="Times New Roman" panose="02020603050405020304" pitchFamily="18" charset="0"/>
               </a:endParaRPr>
             </a:p>
           </p:txBody>
@@ -6038,7 +6337,10 @@
           <a:lstStyle/>
           <a:p>
             <a:r>
-              <a:rPr lang="en-US" dirty="0"/>
+              <a:rPr lang="en-US" dirty="0">
+                <a:latin typeface="Times New Roman" panose="02020603050405020304" pitchFamily="18" charset="0"/>
+                <a:cs typeface="Times New Roman" panose="02020603050405020304" pitchFamily="18" charset="0"/>
+              </a:rPr>
               <a:t>Thank you</a:t>
             </a:r>
           </a:p>
@@ -6102,8 +6404,8 @@
           <a:p>
             <a:r>
               <a:rPr lang="en-US" dirty="0">
-                <a:latin typeface="Calibri" panose="020F0502020204030204" pitchFamily="34" charset="0"/>
-                <a:cs typeface="Calibri" panose="020F0502020204030204" pitchFamily="34" charset="0"/>
+                <a:latin typeface="Times New Roman" panose="02020603050405020304" pitchFamily="18" charset="0"/>
+                <a:cs typeface="Times New Roman" panose="02020603050405020304" pitchFamily="18" charset="0"/>
               </a:rPr>
               <a:t>Contexts</a:t>
             </a:r>
@@ -6128,7 +6430,7 @@
         </p:nvSpPr>
         <p:spPr>
           <a:xfrm>
-            <a:off x="1088501" y="2293040"/>
+            <a:off x="1088501" y="2458261"/>
             <a:ext cx="22047724" cy="9467850"/>
           </a:xfrm>
         </p:spPr>
@@ -6136,83 +6438,88 @@
           <a:bodyPr/>
           <a:lstStyle/>
           <a:p>
-            <a:pPr fontAlgn="ctr"/>
+            <a:pPr fontAlgn="ctr">
+              <a:buFont typeface="Wingdings" panose="05000000000000000000" pitchFamily="2" charset="2"/>
+              <a:buChar char="ü"/>
+            </a:pPr>
             <a:r>
               <a:rPr lang="en-US" dirty="0">
-                <a:latin typeface="Calibri" panose="020F0502020204030204" pitchFamily="34" charset="0"/>
-                <a:cs typeface="Calibri" panose="020F0502020204030204" pitchFamily="34" charset="0"/>
+                <a:latin typeface="Times New Roman" panose="02020603050405020304" pitchFamily="18" charset="0"/>
+                <a:cs typeface="Times New Roman" panose="02020603050405020304" pitchFamily="18" charset="0"/>
               </a:rPr>
               <a:t>Problem Description</a:t>
             </a:r>
           </a:p>
           <a:p>
-            <a:pPr fontAlgn="ctr"/>
+            <a:pPr fontAlgn="ctr">
+              <a:buFont typeface="Wingdings" panose="05000000000000000000" pitchFamily="2" charset="2"/>
+              <a:buChar char="ü"/>
+            </a:pPr>
             <a:r>
               <a:rPr lang="en-US" dirty="0">
-                <a:latin typeface="Calibri" panose="020F0502020204030204" pitchFamily="34" charset="0"/>
-                <a:cs typeface="Calibri" panose="020F0502020204030204" pitchFamily="34" charset="0"/>
+                <a:latin typeface="Times New Roman" panose="02020603050405020304" pitchFamily="18" charset="0"/>
+                <a:cs typeface="Times New Roman" panose="02020603050405020304" pitchFamily="18" charset="0"/>
               </a:rPr>
               <a:t>Proposed Solution</a:t>
             </a:r>
           </a:p>
           <a:p>
-            <a:pPr fontAlgn="ctr"/>
+            <a:pPr fontAlgn="ctr">
+              <a:buFont typeface="Wingdings" panose="05000000000000000000" pitchFamily="2" charset="2"/>
+              <a:buChar char="ü"/>
+            </a:pPr>
             <a:r>
               <a:rPr lang="en-US" dirty="0">
-                <a:latin typeface="Calibri" panose="020F0502020204030204" pitchFamily="34" charset="0"/>
-                <a:cs typeface="Calibri" panose="020F0502020204030204" pitchFamily="34" charset="0"/>
+                <a:latin typeface="Times New Roman" panose="02020603050405020304" pitchFamily="18" charset="0"/>
+                <a:cs typeface="Times New Roman" panose="02020603050405020304" pitchFamily="18" charset="0"/>
               </a:rPr>
-              <a:t>Naive Bayes and NLTK Sentimental Analyzer</a:t>
-            </a:r>
-          </a:p>
-          <a:p>
+              <a:t>NLTK Sentimental Analyzer for Hashtags Dataset</a:t>
+            </a:r>
+          </a:p>
+          <a:p>
+            <a:pPr>
+              <a:buFont typeface="Wingdings" panose="05000000000000000000" pitchFamily="2" charset="2"/>
+              <a:buChar char="ü"/>
+            </a:pPr>
             <a:r>
               <a:rPr lang="en-US" dirty="0">
-                <a:latin typeface="Calibri" panose="020F0502020204030204" pitchFamily="34" charset="0"/>
-                <a:cs typeface="Calibri" panose="020F0502020204030204" pitchFamily="34" charset="0"/>
+                <a:latin typeface="Times New Roman" panose="02020603050405020304" pitchFamily="18" charset="0"/>
+                <a:cs typeface="Times New Roman" panose="02020603050405020304" pitchFamily="18" charset="0"/>
               </a:rPr>
-              <a:t>Bag of Words (BOW)</a:t>
-            </a:r>
-          </a:p>
-          <a:p>
+              <a:t>Multinomial Naïve Bayes for Textual Dataset</a:t>
+            </a:r>
+          </a:p>
+          <a:p>
+            <a:pPr>
+              <a:buFont typeface="Wingdings" panose="05000000000000000000" pitchFamily="2" charset="2"/>
+              <a:buChar char="ü"/>
+            </a:pPr>
             <a:r>
               <a:rPr lang="en-US" dirty="0">
-                <a:latin typeface="Calibri" panose="020F0502020204030204" pitchFamily="34" charset="0"/>
-                <a:cs typeface="Calibri" panose="020F0502020204030204" pitchFamily="34" charset="0"/>
-              </a:rPr>
-              <a:t>Term Frequency – Inverse Document Frequency (TFIDF)</a:t>
-            </a:r>
-          </a:p>
-          <a:p>
-            <a:r>
-              <a:rPr lang="en-US" dirty="0">
-                <a:latin typeface="Calibri" panose="020F0502020204030204" pitchFamily="34" charset="0"/>
-                <a:cs typeface="Calibri" panose="020F0502020204030204" pitchFamily="34" charset="0"/>
+                <a:latin typeface="Times New Roman" panose="02020603050405020304" pitchFamily="18" charset="0"/>
+                <a:cs typeface="Times New Roman" panose="02020603050405020304" pitchFamily="18" charset="0"/>
               </a:rPr>
               <a:t>Conclusion</a:t>
-            </a:r>
-          </a:p>
-          <a:p>
-            <a:r>
-              <a:rPr lang="en-US" dirty="0">
-                <a:latin typeface="Calibri" panose="020F0502020204030204" pitchFamily="34" charset="0"/>
-                <a:cs typeface="Calibri" panose="020F0502020204030204" pitchFamily="34" charset="0"/>
-              </a:rPr>
-              <a:t>Technical Stack</a:t>
             </a:r>
           </a:p>
           <a:p>
             <a:pPr marL="0" indent="0">
               <a:buNone/>
             </a:pPr>
-            <a:endParaRPr lang="en-US" dirty="0"/>
+            <a:endParaRPr lang="en-US" dirty="0">
+              <a:latin typeface="Times New Roman" panose="02020603050405020304" pitchFamily="18" charset="0"/>
+              <a:cs typeface="Times New Roman" panose="02020603050405020304" pitchFamily="18" charset="0"/>
+            </a:endParaRPr>
           </a:p>
           <a:p>
             <a:pPr marL="0" indent="0">
               <a:buNone/>
             </a:pPr>
             <a:r>
-              <a:rPr lang="en-US" dirty="0"/>
+              <a:rPr lang="en-US" dirty="0">
+                <a:latin typeface="Times New Roman" panose="02020603050405020304" pitchFamily="18" charset="0"/>
+                <a:cs typeface="Times New Roman" panose="02020603050405020304" pitchFamily="18" charset="0"/>
+              </a:rPr>
               <a:t>	</a:t>
             </a:r>
           </a:p>
@@ -6317,8 +6624,8 @@
           <a:p>
             <a:r>
               <a:rPr lang="en-US" dirty="0">
-                <a:latin typeface="Calibri" panose="020F0502020204030204" pitchFamily="34" charset="0"/>
-                <a:cs typeface="Calibri" panose="020F0502020204030204" pitchFamily="34" charset="0"/>
+                <a:latin typeface="Times New Roman" panose="02020603050405020304" pitchFamily="18" charset="0"/>
+                <a:cs typeface="Times New Roman" panose="02020603050405020304" pitchFamily="18" charset="0"/>
               </a:rPr>
               <a:t>Problem Description</a:t>
             </a:r>
@@ -6343,7 +6650,7 @@
         </p:nvSpPr>
         <p:spPr>
           <a:xfrm>
-            <a:off x="1088501" y="2293040"/>
+            <a:off x="1088501" y="2719760"/>
             <a:ext cx="22047724" cy="9467850"/>
           </a:xfrm>
         </p:spPr>
@@ -6357,10 +6664,10 @@
             </a:pPr>
             <a:r>
               <a:rPr lang="en-US" dirty="0">
-                <a:latin typeface="Calibri" panose="020F0502020204030204" pitchFamily="34" charset="0"/>
-                <a:cs typeface="Calibri" panose="020F0502020204030204" pitchFamily="34" charset="0"/>
+                <a:latin typeface="Times New Roman" panose="02020603050405020304" pitchFamily="18" charset="0"/>
+                <a:cs typeface="Times New Roman" panose="02020603050405020304" pitchFamily="18" charset="0"/>
               </a:rPr>
-              <a:t>Depression causes severe health problems</a:t>
+              <a:t>Depression causes severe health problems as people hesitate to discuss about it</a:t>
             </a:r>
           </a:p>
           <a:p>
@@ -6370,17 +6677,46 @@
             </a:pPr>
             <a:r>
               <a:rPr lang="en-US" dirty="0">
-                <a:latin typeface="Calibri" panose="020F0502020204030204" pitchFamily="34" charset="0"/>
-                <a:cs typeface="Calibri" panose="020F0502020204030204" pitchFamily="34" charset="0"/>
+                <a:latin typeface="Times New Roman" panose="02020603050405020304" pitchFamily="18" charset="0"/>
+                <a:cs typeface="Times New Roman" panose="02020603050405020304" pitchFamily="18" charset="0"/>
               </a:rPr>
-              <a:t>People suffering from depression rarely take any assistance</a:t>
+              <a:t>In most cases people do not recognize that they are suffering from depression and rarely take any assistance</a:t>
+            </a:r>
+          </a:p>
+          <a:p>
+            <a:pPr>
+              <a:buFont typeface="Wingdings" panose="05000000000000000000" pitchFamily="2" charset="2"/>
+              <a:buChar char="ü"/>
+            </a:pPr>
+            <a:r>
+              <a:rPr lang="en-US" dirty="0">
+                <a:latin typeface="Times New Roman" panose="02020603050405020304" pitchFamily="18" charset="0"/>
+                <a:cs typeface="Times New Roman" panose="02020603050405020304" pitchFamily="18" charset="0"/>
+              </a:rPr>
+              <a:t>Severe depression can lead to suicidal tendency and can ruin people’s life</a:t>
+            </a:r>
+          </a:p>
+          <a:p>
+            <a:pPr>
+              <a:buFont typeface="Wingdings" panose="05000000000000000000" pitchFamily="2" charset="2"/>
+              <a:buChar char="ü"/>
+            </a:pPr>
+            <a:r>
+              <a:rPr lang="en-US" dirty="0">
+                <a:latin typeface="Times New Roman" panose="02020603050405020304" pitchFamily="18" charset="0"/>
+                <a:cs typeface="Times New Roman" panose="02020603050405020304" pitchFamily="18" charset="0"/>
+              </a:rPr>
+              <a:t>Social media platform also contributes indirectly to depression and is an important aspect to detect depression</a:t>
             </a:r>
           </a:p>
           <a:p>
             <a:pPr marL="0" indent="0">
               <a:buNone/>
             </a:pPr>
-            <a:endParaRPr lang="en-US" dirty="0"/>
+            <a:endParaRPr lang="en-US" dirty="0">
+              <a:latin typeface="Times New Roman" panose="02020603050405020304" pitchFamily="18" charset="0"/>
+              <a:cs typeface="Times New Roman" panose="02020603050405020304" pitchFamily="18" charset="0"/>
+            </a:endParaRPr>
           </a:p>
         </p:txBody>
       </p:sp>
@@ -6483,8 +6819,8 @@
           <a:p>
             <a:r>
               <a:rPr lang="en-US" dirty="0">
-                <a:latin typeface="Calibri" panose="020F0502020204030204" pitchFamily="34" charset="0"/>
-                <a:cs typeface="Calibri" panose="020F0502020204030204" pitchFamily="34" charset="0"/>
+                <a:latin typeface="Times New Roman" panose="02020603050405020304" pitchFamily="18" charset="0"/>
+                <a:cs typeface="Times New Roman" panose="02020603050405020304" pitchFamily="18" charset="0"/>
               </a:rPr>
               <a:t>Proposed Solution</a:t>
             </a:r>
@@ -6509,8 +6845,8 @@
         </p:nvSpPr>
         <p:spPr>
           <a:xfrm>
-            <a:off x="1088501" y="2293040"/>
-            <a:ext cx="22047724" cy="9467850"/>
+            <a:off x="1115569" y="2602690"/>
+            <a:ext cx="22178344" cy="9040670"/>
           </a:xfrm>
         </p:spPr>
         <p:txBody>
@@ -6523,10 +6859,10 @@
             </a:pPr>
             <a:r>
               <a:rPr lang="en-US" dirty="0">
-                <a:latin typeface="Calibri" panose="020F0502020204030204" pitchFamily="34" charset="0"/>
-                <a:cs typeface="Calibri" panose="020F0502020204030204" pitchFamily="34" charset="0"/>
+                <a:latin typeface="Times New Roman" panose="02020603050405020304" pitchFamily="18" charset="0"/>
+                <a:cs typeface="Times New Roman" panose="02020603050405020304" pitchFamily="18" charset="0"/>
               </a:rPr>
-              <a:t>Identifies the model to predict depression using Naïve Bayes classification and NLTK Sentimental Analyzer</a:t>
+              <a:t>The proposed solution uses social media platform as one of the factors for depression</a:t>
             </a:r>
           </a:p>
           <a:p>
@@ -6536,10 +6872,10 @@
             </a:pPr>
             <a:r>
               <a:rPr lang="en-US" dirty="0">
-                <a:latin typeface="Calibri" panose="020F0502020204030204" pitchFamily="34" charset="0"/>
-                <a:cs typeface="Calibri" panose="020F0502020204030204" pitchFamily="34" charset="0"/>
+                <a:latin typeface="Times New Roman" panose="02020603050405020304" pitchFamily="18" charset="0"/>
+                <a:cs typeface="Times New Roman" panose="02020603050405020304" pitchFamily="18" charset="0"/>
               </a:rPr>
-              <a:t>Sends notifications to at most 3 close friends using Android Push Notification library</a:t>
+              <a:t>Uses Instagram feeds for sentimental analysis to predict depression</a:t>
             </a:r>
           </a:p>
           <a:p>
@@ -6549,17 +6885,24 @@
             </a:pPr>
             <a:r>
               <a:rPr lang="en-US" dirty="0">
-                <a:latin typeface="Calibri" panose="020F0502020204030204" pitchFamily="34" charset="0"/>
-                <a:cs typeface="Calibri" panose="020F0502020204030204" pitchFamily="34" charset="0"/>
+                <a:latin typeface="Times New Roman" panose="02020603050405020304" pitchFamily="18" charset="0"/>
+                <a:cs typeface="Times New Roman" panose="02020603050405020304" pitchFamily="18" charset="0"/>
               </a:rPr>
-              <a:t> Recommends motivational posts and videos</a:t>
-            </a:r>
-          </a:p>
-          <a:p>
-            <a:endParaRPr lang="en-US" dirty="0">
-              <a:latin typeface="Calibri" panose="020F0502020204030204" pitchFamily="34" charset="0"/>
-              <a:cs typeface="Calibri" panose="020F0502020204030204" pitchFamily="34" charset="0"/>
-            </a:endParaRPr>
+              <a:t>Categories data into two different datasets based on hashtags and texts</a:t>
+            </a:r>
+          </a:p>
+          <a:p>
+            <a:pPr>
+              <a:buFont typeface="Wingdings" panose="05000000000000000000" pitchFamily="2" charset="2"/>
+              <a:buChar char="ü"/>
+            </a:pPr>
+            <a:r>
+              <a:rPr lang="en-US" dirty="0">
+                <a:latin typeface="Times New Roman" panose="02020603050405020304" pitchFamily="18" charset="0"/>
+                <a:cs typeface="Times New Roman" panose="02020603050405020304" pitchFamily="18" charset="0"/>
+              </a:rPr>
+              <a:t>Identifies the model to predict depression using Naïve Bayes classification and NLTK Sentimental Analyzer</a:t>
+            </a:r>
           </a:p>
         </p:txBody>
       </p:sp>
@@ -6662,10 +7005,17 @@
           <a:p>
             <a:r>
               <a:rPr lang="en-US" dirty="0">
-                <a:latin typeface="Calibri" panose="020F0502020204030204" pitchFamily="34" charset="0"/>
-                <a:cs typeface="Calibri" panose="020F0502020204030204" pitchFamily="34" charset="0"/>
+                <a:latin typeface="Times New Roman" panose="02020603050405020304" pitchFamily="18" charset="0"/>
+                <a:cs typeface="Times New Roman" panose="02020603050405020304" pitchFamily="18" charset="0"/>
               </a:rPr>
-              <a:t>Naïve Bayes and NLTK Sentimental Analyzer</a:t>
+              <a:t>Proposed Solution </a:t>
+            </a:r>
+            <a:r>
+              <a:rPr lang="en-US" sz="4000" dirty="0">
+                <a:latin typeface="Times New Roman" panose="02020603050405020304" pitchFamily="18" charset="0"/>
+                <a:cs typeface="Times New Roman" panose="02020603050405020304" pitchFamily="18" charset="0"/>
+              </a:rPr>
+              <a:t>(Cont..)</a:t>
             </a:r>
           </a:p>
         </p:txBody>
@@ -6688,7 +7038,192 @@
         </p:nvSpPr>
         <p:spPr>
           <a:xfrm>
-            <a:off x="1088501" y="2293040"/>
+            <a:off x="1088500" y="2824485"/>
+            <a:ext cx="23112620" cy="10680065"/>
+          </a:xfrm>
+        </p:spPr>
+        <p:txBody>
+          <a:bodyPr/>
+          <a:lstStyle/>
+          <a:p>
+            <a:pPr marL="0" indent="0">
+              <a:buNone/>
+            </a:pPr>
+            <a:r>
+              <a:rPr lang="en-US" dirty="0">
+                <a:latin typeface="Times New Roman" panose="02020603050405020304" pitchFamily="18" charset="0"/>
+                <a:cs typeface="Times New Roman" panose="02020603050405020304" pitchFamily="18" charset="0"/>
+              </a:rPr>
+              <a:t>Based on the proposed model we will develop an android application which will:</a:t>
+            </a:r>
+          </a:p>
+          <a:p>
+            <a:pPr>
+              <a:buFont typeface="Wingdings" panose="05000000000000000000" pitchFamily="2" charset="2"/>
+              <a:buChar char="ü"/>
+            </a:pPr>
+            <a:r>
+              <a:rPr lang="en-US" dirty="0">
+                <a:latin typeface="Times New Roman" panose="02020603050405020304" pitchFamily="18" charset="0"/>
+                <a:cs typeface="Times New Roman" panose="02020603050405020304" pitchFamily="18" charset="0"/>
+              </a:rPr>
+              <a:t>Inform users about their mental status</a:t>
+            </a:r>
+          </a:p>
+          <a:p>
+            <a:pPr>
+              <a:buFont typeface="Wingdings" panose="05000000000000000000" pitchFamily="2" charset="2"/>
+              <a:buChar char="ü"/>
+            </a:pPr>
+            <a:r>
+              <a:rPr lang="en-US" dirty="0">
+                <a:latin typeface="Times New Roman" panose="02020603050405020304" pitchFamily="18" charset="0"/>
+                <a:cs typeface="Times New Roman" panose="02020603050405020304" pitchFamily="18" charset="0"/>
+              </a:rPr>
+              <a:t>Send notifications to at most 3 close friends incase of clinical depression</a:t>
+            </a:r>
+          </a:p>
+          <a:p>
+            <a:pPr>
+              <a:buFont typeface="Wingdings" panose="05000000000000000000" pitchFamily="2" charset="2"/>
+              <a:buChar char="ü"/>
+            </a:pPr>
+            <a:r>
+              <a:rPr lang="en-US" dirty="0">
+                <a:latin typeface="Times New Roman" panose="02020603050405020304" pitchFamily="18" charset="0"/>
+                <a:cs typeface="Times New Roman" panose="02020603050405020304" pitchFamily="18" charset="0"/>
+              </a:rPr>
+              <a:t> Recommend motivational posts and videos</a:t>
+            </a:r>
+          </a:p>
+        </p:txBody>
+      </p:sp>
+      <p:cxnSp>
+        <p:nvCxnSpPr>
+          <p:cNvPr id="5" name="Straight Connector 4">
+            <a:extLst>
+              <a:ext uri="{FF2B5EF4-FFF2-40B4-BE49-F238E27FC236}">
+                <a16:creationId xmlns:a16="http://schemas.microsoft.com/office/drawing/2014/main" id="{5C8322C7-6B22-46F9-9F6D-BC9298D5DB5C}"/>
+              </a:ext>
+            </a:extLst>
+          </p:cNvPr>
+          <p:cNvCxnSpPr>
+            <a:cxnSpLocks/>
+          </p:cNvCxnSpPr>
+          <p:nvPr/>
+        </p:nvCxnSpPr>
+        <p:spPr>
+          <a:xfrm>
+            <a:off x="1088501" y="1789889"/>
+            <a:ext cx="22471890" cy="0"/>
+          </a:xfrm>
+          <a:prstGeom prst="line">
+            <a:avLst/>
+          </a:prstGeom>
+          <a:ln>
+            <a:tailEnd type="none"/>
+          </a:ln>
+        </p:spPr>
+        <p:style>
+          <a:lnRef idx="1">
+            <a:schemeClr val="dk1"/>
+          </a:lnRef>
+          <a:fillRef idx="0">
+            <a:schemeClr val="dk1"/>
+          </a:fillRef>
+          <a:effectRef idx="0">
+            <a:schemeClr val="dk1"/>
+          </a:effectRef>
+          <a:fontRef idx="minor">
+            <a:schemeClr val="tx1"/>
+          </a:fontRef>
+        </p:style>
+      </p:cxnSp>
+    </p:spTree>
+    <p:extLst>
+      <p:ext uri="{BB962C8B-B14F-4D97-AF65-F5344CB8AC3E}">
+        <p14:creationId xmlns:p14="http://schemas.microsoft.com/office/powerpoint/2010/main" val="1149361878"/>
+      </p:ext>
+    </p:extLst>
+  </p:cSld>
+  <p:clrMapOvr>
+    <a:masterClrMapping/>
+  </p:clrMapOvr>
+</p:sld>
+</file>
+
+<file path=ppt/slides/slide6.xml><?xml version="1.0" encoding="utf-8"?>
+<p:sld xmlns:a="http://schemas.openxmlformats.org/drawingml/2006/main" xmlns:r="http://schemas.openxmlformats.org/officeDocument/2006/relationships" xmlns:p="http://schemas.openxmlformats.org/presentationml/2006/main">
+  <p:cSld>
+    <p:spTree>
+      <p:nvGrpSpPr>
+        <p:cNvPr id="1" name=""/>
+        <p:cNvGrpSpPr/>
+        <p:nvPr/>
+      </p:nvGrpSpPr>
+      <p:grpSpPr>
+        <a:xfrm>
+          <a:off x="0" y="0"/>
+          <a:ext cx="0" cy="0"/>
+          <a:chOff x="0" y="0"/>
+          <a:chExt cx="0" cy="0"/>
+        </a:xfrm>
+      </p:grpSpPr>
+      <p:sp>
+        <p:nvSpPr>
+          <p:cNvPr id="2" name="Title 1">
+            <a:extLst>
+              <a:ext uri="{FF2B5EF4-FFF2-40B4-BE49-F238E27FC236}">
+                <a16:creationId xmlns:a16="http://schemas.microsoft.com/office/drawing/2014/main" id="{64FB653E-7B74-4D2F-AE15-C212B7060064}"/>
+              </a:ext>
+            </a:extLst>
+          </p:cNvPr>
+          <p:cNvSpPr>
+            <a:spLocks noGrp="1"/>
+          </p:cNvSpPr>
+          <p:nvPr>
+            <p:ph type="title"/>
+          </p:nvPr>
+        </p:nvSpPr>
+        <p:spPr>
+          <a:xfrm>
+            <a:off x="1115569" y="211445"/>
+            <a:ext cx="22020656" cy="1945408"/>
+          </a:xfrm>
+        </p:spPr>
+        <p:txBody>
+          <a:bodyPr/>
+          <a:lstStyle/>
+          <a:p>
+            <a:r>
+              <a:rPr lang="en-US" dirty="0">
+                <a:latin typeface="Times New Roman" panose="02020603050405020304" pitchFamily="18" charset="0"/>
+                <a:cs typeface="Times New Roman" panose="02020603050405020304" pitchFamily="18" charset="0"/>
+              </a:rPr>
+              <a:t>NLTK Sentimental Analyzer for Hashtags Dataset</a:t>
+            </a:r>
+          </a:p>
+        </p:txBody>
+      </p:sp>
+      <p:sp>
+        <p:nvSpPr>
+          <p:cNvPr id="3" name="Content Placeholder 2">
+            <a:extLst>
+              <a:ext uri="{FF2B5EF4-FFF2-40B4-BE49-F238E27FC236}">
+                <a16:creationId xmlns:a16="http://schemas.microsoft.com/office/drawing/2014/main" id="{FACE6C9A-CDD7-4D66-B4F7-651776F62256}"/>
+              </a:ext>
+            </a:extLst>
+          </p:cNvPr>
+          <p:cNvSpPr>
+            <a:spLocks noGrp="1"/>
+          </p:cNvSpPr>
+          <p:nvPr>
+            <p:ph idx="1"/>
+          </p:nvPr>
+        </p:nvSpPr>
+        <p:spPr>
+          <a:xfrm>
+            <a:off x="1300584" y="2156853"/>
             <a:ext cx="22047724" cy="9467850"/>
           </a:xfrm>
         </p:spPr>
@@ -6696,10 +7231,82 @@
           <a:bodyPr/>
           <a:lstStyle/>
           <a:p>
-            <a:endParaRPr lang="en-US" dirty="0">
-              <a:latin typeface="Calibri" panose="020F0502020204030204" pitchFamily="34" charset="0"/>
-              <a:cs typeface="Calibri" panose="020F0502020204030204" pitchFamily="34" charset="0"/>
-            </a:endParaRPr>
+            <a:pPr>
+              <a:buFont typeface="Wingdings" panose="05000000000000000000" pitchFamily="2" charset="2"/>
+              <a:buChar char="ü"/>
+            </a:pPr>
+            <a:r>
+              <a:rPr lang="en-US" dirty="0">
+                <a:latin typeface="Times New Roman" panose="02020603050405020304" pitchFamily="18" charset="0"/>
+                <a:cs typeface="Times New Roman" panose="02020603050405020304" pitchFamily="18" charset="0"/>
+              </a:rPr>
+              <a:t>NLTK is an open source Natural Language Processing (NLP) platform</a:t>
+            </a:r>
+          </a:p>
+          <a:p>
+            <a:pPr>
+              <a:buFont typeface="Wingdings" panose="05000000000000000000" pitchFamily="2" charset="2"/>
+              <a:buChar char="ü"/>
+            </a:pPr>
+            <a:r>
+              <a:rPr lang="en-US" dirty="0">
+                <a:latin typeface="Times New Roman" panose="02020603050405020304" pitchFamily="18" charset="0"/>
+                <a:cs typeface="Times New Roman" panose="02020603050405020304" pitchFamily="18" charset="0"/>
+              </a:rPr>
+              <a:t>It is capable of several computational linguistics</a:t>
+            </a:r>
+          </a:p>
+          <a:p>
+            <a:pPr>
+              <a:buFont typeface="Wingdings" panose="05000000000000000000" pitchFamily="2" charset="2"/>
+              <a:buChar char="ü"/>
+            </a:pPr>
+            <a:r>
+              <a:rPr lang="en-US" dirty="0">
+                <a:latin typeface="Times New Roman" panose="02020603050405020304" pitchFamily="18" charset="0"/>
+                <a:cs typeface="Times New Roman" panose="02020603050405020304" pitchFamily="18" charset="0"/>
+              </a:rPr>
+              <a:t>NLTK comes with an inbuilt sentiment analyzer module </a:t>
+            </a:r>
+          </a:p>
+          <a:p>
+            <a:pPr>
+              <a:buFont typeface="Wingdings" panose="05000000000000000000" pitchFamily="2" charset="2"/>
+              <a:buChar char="ü"/>
+            </a:pPr>
+            <a:r>
+              <a:rPr lang="en-US" dirty="0">
+                <a:latin typeface="Times New Roman" panose="02020603050405020304" pitchFamily="18" charset="0"/>
+                <a:cs typeface="Times New Roman" panose="02020603050405020304" pitchFamily="18" charset="0"/>
+              </a:rPr>
+              <a:t>In our proposed model, we have applied nltk.sentiment.vader library</a:t>
+            </a:r>
+          </a:p>
+          <a:p>
+            <a:pPr>
+              <a:buFont typeface="Wingdings" panose="05000000000000000000" pitchFamily="2" charset="2"/>
+              <a:buChar char="ü"/>
+            </a:pPr>
+            <a:r>
+              <a:rPr lang="en-US" dirty="0">
+                <a:latin typeface="Times New Roman" panose="02020603050405020304" pitchFamily="18" charset="0"/>
+                <a:cs typeface="Times New Roman" panose="02020603050405020304" pitchFamily="18" charset="0"/>
+              </a:rPr>
+              <a:t>This library analyzes a piece of text and classifies the sentences under positive, negative and neutral polarity of sentiments</a:t>
+            </a:r>
+          </a:p>
+          <a:p>
+            <a:pPr>
+              <a:buFont typeface="Wingdings" panose="05000000000000000000" pitchFamily="2" charset="2"/>
+              <a:buChar char="ü"/>
+            </a:pPr>
+            <a:r>
+              <a:rPr lang="en-US" dirty="0">
+                <a:latin typeface="Times New Roman" panose="02020603050405020304" pitchFamily="18" charset="0"/>
+                <a:cs typeface="Times New Roman" panose="02020603050405020304" pitchFamily="18" charset="0"/>
+              </a:rPr>
+              <a:t>Based on this, we have analyzed the accuracy of positive, negative and neutral hashtags</a:t>
+            </a:r>
           </a:p>
         </p:txBody>
       </p:sp>
@@ -6757,7 +7364,7 @@
 </p:sld>
 </file>
 
-<file path=ppt/slides/slide6.xml><?xml version="1.0" encoding="utf-8"?>
+<file path=ppt/slides/slide7.xml><?xml version="1.0" encoding="utf-8"?>
 <p:sld xmlns:a="http://schemas.openxmlformats.org/drawingml/2006/main" xmlns:r="http://schemas.openxmlformats.org/officeDocument/2006/relationships" xmlns:p="http://schemas.openxmlformats.org/presentationml/2006/main">
   <p:cSld>
     <p:spTree>
@@ -6792,8 +7399,8 @@
         </p:nvSpPr>
         <p:spPr>
           <a:xfrm>
-            <a:off x="1115569" y="211445"/>
-            <a:ext cx="22020656" cy="1945408"/>
+            <a:off x="1088501" y="1092439"/>
+            <a:ext cx="22020656" cy="1200601"/>
           </a:xfrm>
         </p:spPr>
         <p:txBody>
@@ -6802,11 +7409,21 @@
           <a:p>
             <a:r>
               <a:rPr lang="en-US" dirty="0">
-                <a:latin typeface="Calibri" panose="020F0502020204030204" pitchFamily="34" charset="0"/>
-                <a:cs typeface="Calibri" panose="020F0502020204030204" pitchFamily="34" charset="0"/>
+                <a:latin typeface="Times New Roman" panose="02020603050405020304" pitchFamily="18" charset="0"/>
+                <a:cs typeface="Times New Roman" panose="02020603050405020304" pitchFamily="18" charset="0"/>
               </a:rPr>
-              <a:t>Bag of Words (BOW)</a:t>
-            </a:r>
+              <a:t>Multinomial Naïve Bayes for Textual Dataset </a:t>
+            </a:r>
+            <a:br>
+              <a:rPr lang="en-US" sz="6600" dirty="0">
+                <a:latin typeface="Times New Roman" panose="02020603050405020304" pitchFamily="18" charset="0"/>
+                <a:cs typeface="Times New Roman" panose="02020603050405020304" pitchFamily="18" charset="0"/>
+              </a:rPr>
+            </a:br>
+            <a:endParaRPr lang="en-US" sz="6600" dirty="0">
+              <a:latin typeface="Times New Roman" panose="02020603050405020304" pitchFamily="18" charset="0"/>
+              <a:cs typeface="Times New Roman" panose="02020603050405020304" pitchFamily="18" charset="0"/>
+            </a:endParaRPr>
           </a:p>
         </p:txBody>
       </p:sp>
@@ -6836,12 +7453,42 @@
           <a:bodyPr/>
           <a:lstStyle/>
           <a:p>
+            <a:pPr>
+              <a:buFont typeface="Wingdings" panose="05000000000000000000" pitchFamily="2" charset="2"/>
+              <a:buChar char="ü"/>
+            </a:pPr>
             <a:r>
               <a:rPr lang="en-US" dirty="0">
-                <a:latin typeface="Calibri" panose="020F0502020204030204" pitchFamily="34" charset="0"/>
-                <a:cs typeface="Calibri" panose="020F0502020204030204" pitchFamily="34" charset="0"/>
+                <a:latin typeface="Times New Roman" panose="02020603050405020304" pitchFamily="18" charset="0"/>
+                <a:cs typeface="Times New Roman" panose="02020603050405020304" pitchFamily="18" charset="0"/>
               </a:rPr>
-              <a:t>9</a:t>
+              <a:t>Naive Bayes is one of the most popular classification algorithm and is based on the Bayes Theorem</a:t>
+            </a:r>
+          </a:p>
+          <a:p>
+            <a:pPr>
+              <a:buFont typeface="Wingdings" panose="05000000000000000000" pitchFamily="2" charset="2"/>
+              <a:buChar char="ü"/>
+            </a:pPr>
+            <a:r>
+              <a:rPr lang="en-US" dirty="0">
+                <a:latin typeface="Times New Roman" panose="02020603050405020304" pitchFamily="18" charset="0"/>
+                <a:cs typeface="Times New Roman" panose="02020603050405020304" pitchFamily="18" charset="0"/>
+              </a:rPr>
+              <a:t>Multinomial Naïve Bayes is a probabilistic learning method and consists of trained data and test data</a:t>
+            </a:r>
+          </a:p>
+          <a:p>
+            <a:pPr>
+              <a:buFont typeface="Wingdings" panose="05000000000000000000" pitchFamily="2" charset="2"/>
+              <a:buChar char="ü"/>
+            </a:pPr>
+            <a:r>
+              <a:rPr lang="en-US" dirty="0">
+                <a:latin typeface="Times New Roman" panose="02020603050405020304" pitchFamily="18" charset="0"/>
+                <a:cs typeface="Times New Roman" panose="02020603050405020304" pitchFamily="18" charset="0"/>
+              </a:rPr>
+              <a:t>In the model, we have used Multinomial Naïve Bayes on a set of preprocessed data</a:t>
             </a:r>
           </a:p>
         </p:txBody>
@@ -6900,7 +7547,7 @@
 </p:sld>
 </file>
 
-<file path=ppt/slides/slide7.xml><?xml version="1.0" encoding="utf-8"?>
+<file path=ppt/slides/slide8.xml><?xml version="1.0" encoding="utf-8"?>
 <p:sld xmlns:a="http://schemas.openxmlformats.org/drawingml/2006/main" xmlns:r="http://schemas.openxmlformats.org/officeDocument/2006/relationships" xmlns:p="http://schemas.openxmlformats.org/presentationml/2006/main">
   <p:cSld>
     <p:spTree>
@@ -6935,8 +7582,8 @@
         </p:nvSpPr>
         <p:spPr>
           <a:xfrm>
-            <a:off x="1115569" y="211445"/>
-            <a:ext cx="22020656" cy="1945408"/>
+            <a:off x="1115569" y="1464769"/>
+            <a:ext cx="22020656" cy="650239"/>
           </a:xfrm>
         </p:spPr>
         <p:txBody>
@@ -6945,11 +7592,35 @@
           <a:p>
             <a:r>
               <a:rPr lang="en-US" dirty="0">
-                <a:latin typeface="Calibri" panose="020F0502020204030204" pitchFamily="34" charset="0"/>
-                <a:cs typeface="Calibri" panose="020F0502020204030204" pitchFamily="34" charset="0"/>
+                <a:latin typeface="Times New Roman" panose="02020603050405020304" pitchFamily="18" charset="0"/>
+                <a:cs typeface="Times New Roman" panose="02020603050405020304" pitchFamily="18" charset="0"/>
               </a:rPr>
-              <a:t>Term Frequency – Inverse Document Frequency (TFIDF)</a:t>
-            </a:r>
+              <a:t>Multinomial Naïve Bayes for Textual Dataset</a:t>
+            </a:r>
+            <a:r>
+              <a:rPr lang="en-US" sz="7200" dirty="0">
+                <a:latin typeface="Times New Roman" panose="02020603050405020304" pitchFamily="18" charset="0"/>
+                <a:cs typeface="Times New Roman" panose="02020603050405020304" pitchFamily="18" charset="0"/>
+              </a:rPr>
+              <a:t> </a:t>
+            </a:r>
+            <a:r>
+              <a:rPr lang="en-US" sz="4000" dirty="0">
+                <a:latin typeface="Times New Roman" panose="02020603050405020304" pitchFamily="18" charset="0"/>
+                <a:cs typeface="Times New Roman" panose="02020603050405020304" pitchFamily="18" charset="0"/>
+              </a:rPr>
+              <a:t>(Cont..)</a:t>
+            </a:r>
+            <a:br>
+              <a:rPr lang="en-US" dirty="0">
+                <a:latin typeface="Times New Roman" panose="02020603050405020304" pitchFamily="18" charset="0"/>
+                <a:cs typeface="Times New Roman" panose="02020603050405020304" pitchFamily="18" charset="0"/>
+              </a:rPr>
+            </a:br>
+            <a:endParaRPr lang="en-US" dirty="0">
+              <a:latin typeface="Times New Roman" panose="02020603050405020304" pitchFamily="18" charset="0"/>
+              <a:cs typeface="Times New Roman" panose="02020603050405020304" pitchFamily="18" charset="0"/>
+            </a:endParaRPr>
           </a:p>
         </p:txBody>
       </p:sp>
@@ -6979,13 +7650,73 @@
           <a:bodyPr/>
           <a:lstStyle/>
           <a:p>
+            <a:pPr marL="0" indent="0">
+              <a:buNone/>
+            </a:pPr>
             <a:r>
               <a:rPr lang="en-US" dirty="0">
-                <a:latin typeface="Calibri" panose="020F0502020204030204" pitchFamily="34" charset="0"/>
-                <a:cs typeface="Calibri" panose="020F0502020204030204" pitchFamily="34" charset="0"/>
+                <a:latin typeface="Times New Roman" panose="02020603050405020304" pitchFamily="18" charset="0"/>
+                <a:cs typeface="Times New Roman" panose="02020603050405020304" pitchFamily="18" charset="0"/>
               </a:rPr>
-              <a:t>9</a:t>
-            </a:r>
+              <a:t>Prior to applying Multinomial Naïve Bayes, we have performed a series of steps:</a:t>
+            </a:r>
+          </a:p>
+          <a:p>
+            <a:pPr>
+              <a:buFont typeface="Wingdings" panose="05000000000000000000" pitchFamily="2" charset="2"/>
+              <a:buChar char="ü"/>
+            </a:pPr>
+            <a:r>
+              <a:rPr lang="en-US" dirty="0">
+                <a:latin typeface="Times New Roman" panose="02020603050405020304" pitchFamily="18" charset="0"/>
+                <a:cs typeface="Times New Roman" panose="02020603050405020304" pitchFamily="18" charset="0"/>
+              </a:rPr>
+              <a:t>Cleaning and preprocessing of data</a:t>
+            </a:r>
+          </a:p>
+          <a:p>
+            <a:pPr>
+              <a:buFont typeface="Wingdings" panose="05000000000000000000" pitchFamily="2" charset="2"/>
+              <a:buChar char="ü"/>
+            </a:pPr>
+            <a:r>
+              <a:rPr lang="en-US" dirty="0">
+                <a:latin typeface="Times New Roman" panose="02020603050405020304" pitchFamily="18" charset="0"/>
+                <a:cs typeface="Times New Roman" panose="02020603050405020304" pitchFamily="18" charset="0"/>
+              </a:rPr>
+              <a:t>Creating test and train datasets</a:t>
+            </a:r>
+          </a:p>
+          <a:p>
+            <a:pPr>
+              <a:buFont typeface="Wingdings" panose="05000000000000000000" pitchFamily="2" charset="2"/>
+              <a:buChar char="ü"/>
+            </a:pPr>
+            <a:r>
+              <a:rPr lang="en-US" dirty="0">
+                <a:latin typeface="Times New Roman" panose="02020603050405020304" pitchFamily="18" charset="0"/>
+                <a:cs typeface="Times New Roman" panose="02020603050405020304" pitchFamily="18" charset="0"/>
+              </a:rPr>
+              <a:t>Vectorization of data using Bag of Words (BOW) and Term Frequency - Inverse Document Frequency (TFIDF)</a:t>
+            </a:r>
+          </a:p>
+          <a:p>
+            <a:pPr marL="0" indent="0">
+              <a:buNone/>
+            </a:pPr>
+            <a:endParaRPr lang="en-US" dirty="0">
+              <a:latin typeface="Times New Roman" panose="02020603050405020304" pitchFamily="18" charset="0"/>
+              <a:cs typeface="Times New Roman" panose="02020603050405020304" pitchFamily="18" charset="0"/>
+            </a:endParaRPr>
+          </a:p>
+          <a:p>
+            <a:pPr marL="0" indent="0">
+              <a:buNone/>
+            </a:pPr>
+            <a:endParaRPr lang="en-US" dirty="0">
+              <a:latin typeface="Times New Roman" panose="02020603050405020304" pitchFamily="18" charset="0"/>
+              <a:cs typeface="Times New Roman" panose="02020603050405020304" pitchFamily="18" charset="0"/>
+            </a:endParaRPr>
           </a:p>
         </p:txBody>
       </p:sp>
@@ -7043,7 +7774,7 @@
 </p:sld>
 </file>
 
-<file path=ppt/slides/slide8.xml><?xml version="1.0" encoding="utf-8"?>
+<file path=ppt/slides/slide9.xml><?xml version="1.0" encoding="utf-8"?>
 <p:sld xmlns:a="http://schemas.openxmlformats.org/drawingml/2006/main" xmlns:r="http://schemas.openxmlformats.org/officeDocument/2006/relationships" xmlns:p="http://schemas.openxmlformats.org/presentationml/2006/main">
   <p:cSld>
     <p:spTree>
@@ -7078,8 +7809,8 @@
         </p:nvSpPr>
         <p:spPr>
           <a:xfrm>
-            <a:off x="1115569" y="211445"/>
-            <a:ext cx="22020656" cy="1945408"/>
+            <a:off x="1115569" y="1464769"/>
+            <a:ext cx="22020656" cy="650239"/>
           </a:xfrm>
         </p:spPr>
         <p:txBody>
@@ -7088,11 +7819,35 @@
           <a:p>
             <a:r>
               <a:rPr lang="en-US" dirty="0">
-                <a:latin typeface="Calibri" panose="020F0502020204030204" pitchFamily="34" charset="0"/>
-                <a:cs typeface="Calibri" panose="020F0502020204030204" pitchFamily="34" charset="0"/>
+                <a:latin typeface="Times New Roman" panose="02020603050405020304" pitchFamily="18" charset="0"/>
+                <a:cs typeface="Times New Roman" panose="02020603050405020304" pitchFamily="18" charset="0"/>
               </a:rPr>
-              <a:t>Conclusion</a:t>
-            </a:r>
+              <a:t>Multinomial Naïve Bayes for Textual Dataset</a:t>
+            </a:r>
+            <a:r>
+              <a:rPr lang="en-US" sz="7200" dirty="0">
+                <a:latin typeface="Times New Roman" panose="02020603050405020304" pitchFamily="18" charset="0"/>
+                <a:cs typeface="Times New Roman" panose="02020603050405020304" pitchFamily="18" charset="0"/>
+              </a:rPr>
+              <a:t> </a:t>
+            </a:r>
+            <a:r>
+              <a:rPr lang="en-US" sz="4000" dirty="0">
+                <a:latin typeface="Times New Roman" panose="02020603050405020304" pitchFamily="18" charset="0"/>
+                <a:cs typeface="Times New Roman" panose="02020603050405020304" pitchFamily="18" charset="0"/>
+              </a:rPr>
+              <a:t>(Cont..)</a:t>
+            </a:r>
+            <a:br>
+              <a:rPr lang="en-US" dirty="0">
+                <a:latin typeface="Times New Roman" panose="02020603050405020304" pitchFamily="18" charset="0"/>
+                <a:cs typeface="Times New Roman" panose="02020603050405020304" pitchFamily="18" charset="0"/>
+              </a:rPr>
+            </a:br>
+            <a:endParaRPr lang="en-US" dirty="0">
+              <a:latin typeface="Times New Roman" panose="02020603050405020304" pitchFamily="18" charset="0"/>
+              <a:cs typeface="Times New Roman" panose="02020603050405020304" pitchFamily="18" charset="0"/>
+            </a:endParaRPr>
           </a:p>
         </p:txBody>
       </p:sp>
@@ -7122,13 +7877,64 @@
           <a:bodyPr/>
           <a:lstStyle/>
           <a:p>
+            <a:pPr marL="0" indent="0">
+              <a:buNone/>
+            </a:pPr>
             <a:r>
               <a:rPr lang="en-US" dirty="0">
-                <a:latin typeface="Calibri" panose="020F0502020204030204" pitchFamily="34" charset="0"/>
-                <a:cs typeface="Calibri" panose="020F0502020204030204" pitchFamily="34" charset="0"/>
+                <a:latin typeface="Times New Roman" panose="02020603050405020304" pitchFamily="18" charset="0"/>
+                <a:cs typeface="Times New Roman" panose="02020603050405020304" pitchFamily="18" charset="0"/>
               </a:rPr>
-              <a:t>9</a:t>
-            </a:r>
+              <a:t>Applying Multinomial Naïve Bayes in the model consist of following steps:</a:t>
+            </a:r>
+          </a:p>
+          <a:p>
+            <a:pPr lvl="0">
+              <a:buFont typeface="Wingdings" panose="05000000000000000000" pitchFamily="2" charset="2"/>
+              <a:buChar char="ü"/>
+            </a:pPr>
+            <a:r>
+              <a:rPr lang="en-US" dirty="0">
+                <a:latin typeface="Times New Roman" panose="02020603050405020304" pitchFamily="18" charset="0"/>
+                <a:cs typeface="Times New Roman" panose="02020603050405020304" pitchFamily="18" charset="0"/>
+              </a:rPr>
+              <a:t>Hyper parameter Tuning (Find best Alpha)</a:t>
+            </a:r>
+          </a:p>
+          <a:p>
+            <a:pPr>
+              <a:buFont typeface="Wingdings" panose="05000000000000000000" pitchFamily="2" charset="2"/>
+              <a:buChar char="ü"/>
+            </a:pPr>
+            <a:r>
+              <a:rPr lang="en-US" dirty="0">
+                <a:latin typeface="Times New Roman" panose="02020603050405020304" pitchFamily="18" charset="0"/>
+                <a:cs typeface="Times New Roman" panose="02020603050405020304" pitchFamily="18" charset="0"/>
+              </a:rPr>
+              <a:t>Feature importance</a:t>
+            </a:r>
+          </a:p>
+          <a:p>
+            <a:pPr>
+              <a:buFont typeface="Wingdings" panose="05000000000000000000" pitchFamily="2" charset="2"/>
+              <a:buChar char="ü"/>
+            </a:pPr>
+            <a:r>
+              <a:rPr lang="en-US" dirty="0">
+                <a:latin typeface="Times New Roman" panose="02020603050405020304" pitchFamily="18" charset="0"/>
+                <a:cs typeface="Times New Roman" panose="02020603050405020304" pitchFamily="18" charset="0"/>
+              </a:rPr>
+              <a:t>Representation of results</a:t>
+            </a:r>
+          </a:p>
+          <a:p>
+            <a:pPr marL="0" indent="0">
+              <a:buNone/>
+            </a:pPr>
+            <a:endParaRPr lang="en-US" dirty="0">
+              <a:latin typeface="Times New Roman" panose="02020603050405020304" pitchFamily="18" charset="0"/>
+              <a:cs typeface="Times New Roman" panose="02020603050405020304" pitchFamily="18" charset="0"/>
+            </a:endParaRPr>
           </a:p>
         </p:txBody>
       </p:sp>
@@ -7176,182 +7982,7 @@
     </p:spTree>
     <p:extLst>
       <p:ext uri="{BB962C8B-B14F-4D97-AF65-F5344CB8AC3E}">
-        <p14:creationId xmlns:p14="http://schemas.microsoft.com/office/powerpoint/2010/main" val="1568729416"/>
-      </p:ext>
-    </p:extLst>
-  </p:cSld>
-  <p:clrMapOvr>
-    <a:masterClrMapping/>
-  </p:clrMapOvr>
-</p:sld>
-</file>
-
-<file path=ppt/slides/slide9.xml><?xml version="1.0" encoding="utf-8"?>
-<p:sld xmlns:a="http://schemas.openxmlformats.org/drawingml/2006/main" xmlns:r="http://schemas.openxmlformats.org/officeDocument/2006/relationships" xmlns:p="http://schemas.openxmlformats.org/presentationml/2006/main">
-  <p:cSld>
-    <p:spTree>
-      <p:nvGrpSpPr>
-        <p:cNvPr id="1" name=""/>
-        <p:cNvGrpSpPr/>
-        <p:nvPr/>
-      </p:nvGrpSpPr>
-      <p:grpSpPr>
-        <a:xfrm>
-          <a:off x="0" y="0"/>
-          <a:ext cx="0" cy="0"/>
-          <a:chOff x="0" y="0"/>
-          <a:chExt cx="0" cy="0"/>
-        </a:xfrm>
-      </p:grpSpPr>
-      <p:sp>
-        <p:nvSpPr>
-          <p:cNvPr id="2" name="Title 1">
-            <a:extLst>
-              <a:ext uri="{FF2B5EF4-FFF2-40B4-BE49-F238E27FC236}">
-                <a16:creationId xmlns:a16="http://schemas.microsoft.com/office/drawing/2014/main" id="{64FB653E-7B74-4D2F-AE15-C212B7060064}"/>
-              </a:ext>
-            </a:extLst>
-          </p:cNvPr>
-          <p:cNvSpPr>
-            <a:spLocks noGrp="1"/>
-          </p:cNvSpPr>
-          <p:nvPr>
-            <p:ph type="title"/>
-          </p:nvPr>
-        </p:nvSpPr>
-        <p:spPr>
-          <a:xfrm>
-            <a:off x="1115569" y="211445"/>
-            <a:ext cx="22020656" cy="1945408"/>
-          </a:xfrm>
-        </p:spPr>
-        <p:txBody>
-          <a:bodyPr/>
-          <a:lstStyle/>
-          <a:p>
-            <a:r>
-              <a:rPr lang="en-US" dirty="0">
-                <a:latin typeface="Calibri" panose="020F0502020204030204" pitchFamily="34" charset="0"/>
-                <a:cs typeface="Calibri" panose="020F0502020204030204" pitchFamily="34" charset="0"/>
-              </a:rPr>
-              <a:t>Technical Stack</a:t>
-            </a:r>
-          </a:p>
-        </p:txBody>
-      </p:sp>
-      <p:sp>
-        <p:nvSpPr>
-          <p:cNvPr id="3" name="Content Placeholder 2">
-            <a:extLst>
-              <a:ext uri="{FF2B5EF4-FFF2-40B4-BE49-F238E27FC236}">
-                <a16:creationId xmlns:a16="http://schemas.microsoft.com/office/drawing/2014/main" id="{FACE6C9A-CDD7-4D66-B4F7-651776F62256}"/>
-              </a:ext>
-            </a:extLst>
-          </p:cNvPr>
-          <p:cNvSpPr>
-            <a:spLocks noGrp="1"/>
-          </p:cNvSpPr>
-          <p:nvPr>
-            <p:ph idx="1"/>
-          </p:nvPr>
-        </p:nvSpPr>
-        <p:spPr>
-          <a:xfrm>
-            <a:off x="1088501" y="2293040"/>
-            <a:ext cx="22047724" cy="9467850"/>
-          </a:xfrm>
-        </p:spPr>
-        <p:txBody>
-          <a:bodyPr/>
-          <a:lstStyle/>
-          <a:p>
-            <a:r>
-              <a:rPr lang="en-US" sz="4000" dirty="0">
-                <a:latin typeface="Calibri" panose="020F0502020204030204" pitchFamily="34" charset="0"/>
-                <a:cs typeface="Calibri" panose="020F0502020204030204" pitchFamily="34" charset="0"/>
-              </a:rPr>
-              <a:t>User Interface – Android SDK</a:t>
-            </a:r>
-          </a:p>
-          <a:p>
-            <a:r>
-              <a:rPr lang="en-US" sz="4000" dirty="0">
-                <a:latin typeface="Calibri" panose="020F0502020204030204" pitchFamily="34" charset="0"/>
-                <a:cs typeface="Calibri" panose="020F0502020204030204" pitchFamily="34" charset="0"/>
-              </a:rPr>
-              <a:t>Backend Service – </a:t>
-            </a:r>
-          </a:p>
-          <a:p>
-            <a:r>
-              <a:rPr lang="en-US" sz="4000" dirty="0">
-                <a:latin typeface="Calibri" panose="020F0502020204030204" pitchFamily="34" charset="0"/>
-                <a:cs typeface="Calibri" panose="020F0502020204030204" pitchFamily="34" charset="0"/>
-              </a:rPr>
-              <a:t>Machine Learning – Python, </a:t>
-            </a:r>
-            <a:r>
-              <a:rPr lang="en-US" sz="4000" dirty="0" err="1">
-                <a:latin typeface="Calibri" panose="020F0502020204030204" pitchFamily="34" charset="0"/>
-                <a:cs typeface="Calibri" panose="020F0502020204030204" pitchFamily="34" charset="0"/>
-              </a:rPr>
-              <a:t>Jupyter</a:t>
-            </a:r>
-            <a:r>
-              <a:rPr lang="en-US" sz="4000" dirty="0">
-                <a:latin typeface="Calibri" panose="020F0502020204030204" pitchFamily="34" charset="0"/>
-                <a:cs typeface="Calibri" panose="020F0502020204030204" pitchFamily="34" charset="0"/>
-              </a:rPr>
-              <a:t> Notebook</a:t>
-            </a:r>
-          </a:p>
-        </p:txBody>
-      </p:sp>
-      <p:cxnSp>
-        <p:nvCxnSpPr>
-          <p:cNvPr id="5" name="Straight Connector 4">
-            <a:extLst>
-              <a:ext uri="{FF2B5EF4-FFF2-40B4-BE49-F238E27FC236}">
-                <a16:creationId xmlns:a16="http://schemas.microsoft.com/office/drawing/2014/main" id="{5C8322C7-6B22-46F9-9F6D-BC9298D5DB5C}"/>
-              </a:ext>
-            </a:extLst>
-          </p:cNvPr>
-          <p:cNvCxnSpPr>
-            <a:cxnSpLocks/>
-          </p:cNvCxnSpPr>
-          <p:nvPr/>
-        </p:nvCxnSpPr>
-        <p:spPr>
-          <a:xfrm>
-            <a:off x="1088501" y="1789889"/>
-            <a:ext cx="22471890" cy="0"/>
-          </a:xfrm>
-          <a:prstGeom prst="line">
-            <a:avLst/>
-          </a:prstGeom>
-          <a:ln>
-            <a:tailEnd type="none"/>
-          </a:ln>
-        </p:spPr>
-        <p:style>
-          <a:lnRef idx="1">
-            <a:schemeClr val="dk1"/>
-          </a:lnRef>
-          <a:fillRef idx="0">
-            <a:schemeClr val="dk1"/>
-          </a:fillRef>
-          <a:effectRef idx="0">
-            <a:schemeClr val="dk1"/>
-          </a:effectRef>
-          <a:fontRef idx="minor">
-            <a:schemeClr val="tx1"/>
-          </a:fontRef>
-        </p:style>
-      </p:cxnSp>
-    </p:spTree>
-    <p:extLst>
-      <p:ext uri="{BB962C8B-B14F-4D97-AF65-F5344CB8AC3E}">
-        <p14:creationId xmlns:p14="http://schemas.microsoft.com/office/powerpoint/2010/main" val="2883518066"/>
+        <p14:creationId xmlns:p14="http://schemas.microsoft.com/office/powerpoint/2010/main" val="3471659038"/>
       </p:ext>
     </p:extLst>
   </p:cSld>
